--- a/Slide review.pptx
+++ b/Slide review.pptx
@@ -20,8 +20,9 @@
     <p:sldId id="268" r:id="rId14"/>
     <p:sldId id="274" r:id="rId15"/>
     <p:sldId id="267" r:id="rId16"/>
-    <p:sldId id="269" r:id="rId17"/>
-    <p:sldId id="283" r:id="rId18"/>
+    <p:sldId id="285" r:id="rId17"/>
+    <p:sldId id="269" r:id="rId18"/>
+    <p:sldId id="283" r:id="rId19"/>
   </p:sldIdLst>
   <p:sldSz cx="12192000" cy="6858000"/>
   <p:notesSz cx="7772400" cy="10058400"/>
@@ -6383,7 +6384,7 @@
               </a:lnSpc>
             </a:pPr>
             <a:r>
-              <a:rPr lang="en-US" sz="8800" b="1" strike="noStrike" spc="-1" dirty="0" smtClean="0">
+              <a:rPr lang="en-US" sz="8800" b="1" strike="noStrike" spc="-1" dirty="0">
                 <a:solidFill>
                   <a:srgbClr val="FFFFFF"/>
                 </a:solidFill>
@@ -6414,13 +6415,6 @@
   <p:transition>
     <p:fade thruBlk="1"/>
   </p:transition>
-  <p:timing>
-    <p:tnLst>
-      <p:par>
-        <p:cTn id="1" dur="indefinite" restart="never" nodeType="tmRoot"/>
-      </p:par>
-    </p:tnLst>
-  </p:timing>
 </p:sld>
 </file>
 
@@ -6843,7 +6837,7 @@
               </a:lnSpc>
             </a:pPr>
             <a:r>
-              <a:rPr lang="en-US" sz="2800" spc="-1" dirty="0" smtClean="0">
+              <a:rPr lang="en-US" sz="2800" spc="-1" dirty="0">
                 <a:solidFill>
                   <a:schemeClr val="accent2">
                     <a:lumMod val="75000"/>
@@ -6872,13 +6866,6 @@
   <p:transition>
     <p:fade thruBlk="1"/>
   </p:transition>
-  <p:timing>
-    <p:tnLst>
-      <p:par>
-        <p:cTn id="1" dur="indefinite" restart="never" nodeType="tmRoot"/>
-      </p:par>
-    </p:tnLst>
-  </p:timing>
 </p:sld>
 </file>
 
@@ -6941,7 +6928,7 @@
               </a:lnSpc>
             </a:pPr>
             <a:r>
-              <a:rPr lang="en-US" sz="2400" spc="-1" dirty="0" smtClean="0">
+              <a:rPr lang="en-US" sz="2400" spc="-1" dirty="0">
                 <a:solidFill>
                   <a:schemeClr val="accent2">
                     <a:lumMod val="75000"/>
@@ -6970,13 +6957,6 @@
   <p:transition>
     <p:fade thruBlk="1"/>
   </p:transition>
-  <p:timing>
-    <p:tnLst>
-      <p:par>
-        <p:cTn id="1" dur="indefinite" restart="never" nodeType="tmRoot"/>
-      </p:par>
-    </p:tnLst>
-  </p:timing>
 </p:sld>
 </file>
 
@@ -7039,7 +7019,7 @@
               </a:lnSpc>
             </a:pPr>
             <a:r>
-              <a:rPr lang="en-US" sz="2400" spc="-1" dirty="0" smtClean="0">
+              <a:rPr lang="en-US" sz="2400" spc="-1" dirty="0">
                 <a:solidFill>
                   <a:schemeClr val="accent2">
                     <a:lumMod val="75000"/>
@@ -7110,7 +7090,7 @@
               <a:buAutoNum type="arabicPeriod"/>
             </a:pPr>
             <a:r>
-              <a:rPr lang="en-US" sz="1400" b="0" strike="noStrike" spc="-1" dirty="0" err="1" smtClean="0">
+              <a:rPr lang="en-US" sz="1400" b="0" strike="noStrike" spc="-1" dirty="0" err="1">
                 <a:solidFill>
                   <a:srgbClr val="000000"/>
                 </a:solidFill>
@@ -7120,7 +7100,7 @@
               <a:t>Nghiên</a:t>
             </a:r>
             <a:r>
-              <a:rPr lang="en-US" sz="1400" b="0" strike="noStrike" spc="-1" dirty="0" smtClean="0">
+              <a:rPr lang="en-US" sz="1400" b="0" strike="noStrike" spc="-1" dirty="0">
                 <a:solidFill>
                   <a:srgbClr val="000000"/>
                 </a:solidFill>
@@ -7130,7 +7110,7 @@
               <a:t> </a:t>
             </a:r>
             <a:r>
-              <a:rPr lang="en-US" sz="1400" b="0" strike="noStrike" spc="-1" dirty="0" err="1" smtClean="0">
+              <a:rPr lang="en-US" sz="1400" b="0" strike="noStrike" spc="-1" dirty="0" err="1">
                 <a:solidFill>
                   <a:srgbClr val="000000"/>
                 </a:solidFill>
@@ -7140,7 +7120,7 @@
               <a:t>cứu</a:t>
             </a:r>
             <a:r>
-              <a:rPr lang="en-US" sz="1400" b="0" strike="noStrike" spc="-1" dirty="0" smtClean="0">
+              <a:rPr lang="en-US" sz="1400" b="0" strike="noStrike" spc="-1" dirty="0">
                 <a:solidFill>
                   <a:srgbClr val="000000"/>
                 </a:solidFill>
@@ -7150,7 +7130,7 @@
               <a:t> Connector DB Source -&gt; </a:t>
             </a:r>
             <a:r>
-              <a:rPr lang="en-US" sz="1400" b="0" strike="noStrike" spc="-1" dirty="0" err="1" smtClean="0">
+              <a:rPr lang="en-US" sz="1400" b="0" strike="noStrike" spc="-1" dirty="0" err="1">
                 <a:solidFill>
                   <a:srgbClr val="000000"/>
                 </a:solidFill>
@@ -7160,7 +7140,7 @@
               <a:t>DBSearch</a:t>
             </a:r>
             <a:r>
-              <a:rPr lang="en-US" sz="1400" b="0" strike="noStrike" spc="-1" dirty="0" smtClean="0">
+              <a:rPr lang="en-US" sz="1400" b="0" strike="noStrike" spc="-1" dirty="0">
                 <a:solidFill>
                   <a:srgbClr val="000000"/>
                 </a:solidFill>
@@ -7170,7 +7150,7 @@
               <a:t> </a:t>
             </a:r>
             <a:r>
-              <a:rPr lang="en-US" sz="1400" b="0" strike="noStrike" spc="-1" dirty="0" err="1" smtClean="0">
+              <a:rPr lang="en-US" sz="1400" b="0" strike="noStrike" spc="-1" dirty="0" err="1">
                 <a:solidFill>
                   <a:srgbClr val="000000"/>
                 </a:solidFill>
@@ -7180,7 +7160,7 @@
               <a:t>ưu</a:t>
             </a:r>
             <a:r>
-              <a:rPr lang="en-US" sz="1400" b="0" strike="noStrike" spc="-1" dirty="0" smtClean="0">
+              <a:rPr lang="en-US" sz="1400" b="0" strike="noStrike" spc="-1" dirty="0">
                 <a:solidFill>
                   <a:srgbClr val="000000"/>
                 </a:solidFill>
@@ -7190,7 +7170,7 @@
               <a:t> </a:t>
             </a:r>
             <a:r>
-              <a:rPr lang="en-US" sz="1400" b="0" strike="noStrike" spc="-1" dirty="0" err="1" smtClean="0">
+              <a:rPr lang="en-US" sz="1400" b="0" strike="noStrike" spc="-1" dirty="0" err="1">
                 <a:solidFill>
                   <a:srgbClr val="000000"/>
                 </a:solidFill>
@@ -7199,7 +7179,7 @@
               </a:rPr>
               <a:t>nhược</a:t>
             </a:r>
-            <a:endParaRPr lang="en-US" sz="1400" b="0" strike="noStrike" spc="-1" dirty="0" smtClean="0">
+            <a:endParaRPr lang="en-US" sz="1400" b="0" strike="noStrike" spc="-1" dirty="0">
               <a:solidFill>
                 <a:srgbClr val="000000"/>
               </a:solidFill>
@@ -7221,7 +7201,7 @@
               <a:buAutoNum type="arabicPeriod"/>
             </a:pPr>
             <a:r>
-              <a:rPr lang="en-US" sz="1400" spc="-1" dirty="0" smtClean="0">
+              <a:rPr lang="en-US" sz="1400" spc="-1" dirty="0">
                 <a:solidFill>
                   <a:srgbClr val="000000"/>
                 </a:solidFill>
@@ -7245,7 +7225,7 @@
               <a:buAutoNum type="arabicPeriod"/>
             </a:pPr>
             <a:r>
-              <a:rPr lang="en-US" sz="1400" spc="-1" dirty="0" err="1" smtClean="0">
+              <a:rPr lang="en-US" sz="1400" spc="-1" dirty="0" err="1">
                 <a:solidFill>
                   <a:srgbClr val="000000"/>
                 </a:solidFill>
@@ -7255,7 +7235,7 @@
               <a:t>Hỏi</a:t>
             </a:r>
             <a:r>
-              <a:rPr lang="en-US" sz="1400" spc="-1" dirty="0" smtClean="0">
+              <a:rPr lang="en-US" sz="1400" spc="-1" dirty="0">
                 <a:solidFill>
                   <a:srgbClr val="000000"/>
                 </a:solidFill>
@@ -7265,7 +7245,7 @@
               <a:t> EM, </a:t>
             </a:r>
             <a:r>
-              <a:rPr lang="en-US" sz="1400" spc="-1" dirty="0" err="1" smtClean="0">
+              <a:rPr lang="en-US" sz="1400" spc="-1" dirty="0" err="1">
                 <a:solidFill>
                   <a:srgbClr val="000000"/>
                 </a:solidFill>
@@ -7275,7 +7255,7 @@
               <a:t>lấy</a:t>
             </a:r>
             <a:r>
-              <a:rPr lang="en-US" sz="1400" spc="-1" dirty="0" smtClean="0">
+              <a:rPr lang="en-US" sz="1400" spc="-1" dirty="0">
                 <a:solidFill>
                   <a:srgbClr val="000000"/>
                 </a:solidFill>
@@ -7285,7 +7265,7 @@
               <a:t> </a:t>
             </a:r>
             <a:r>
-              <a:rPr lang="en-US" sz="1400" spc="-1" dirty="0" err="1" smtClean="0">
+              <a:rPr lang="en-US" sz="1400" spc="-1" dirty="0" err="1">
                 <a:solidFill>
                   <a:srgbClr val="000000"/>
                 </a:solidFill>
@@ -7295,7 +7275,7 @@
               <a:t>số</a:t>
             </a:r>
             <a:r>
-              <a:rPr lang="en-US" sz="1400" spc="-1" dirty="0" smtClean="0">
+              <a:rPr lang="en-US" sz="1400" spc="-1" dirty="0">
                 <a:solidFill>
                   <a:srgbClr val="000000"/>
                 </a:solidFill>
@@ -7305,7 +7285,7 @@
               <a:t> </a:t>
             </a:r>
             <a:r>
-              <a:rPr lang="en-US" sz="1400" spc="-1" dirty="0" err="1" smtClean="0">
+              <a:rPr lang="en-US" sz="1400" spc="-1" dirty="0" err="1">
                 <a:solidFill>
                   <a:srgbClr val="000000"/>
                 </a:solidFill>
@@ -7315,7 +7295,7 @@
               <a:t>liệu</a:t>
             </a:r>
             <a:r>
-              <a:rPr lang="en-US" sz="1400" spc="-1" dirty="0" smtClean="0">
+              <a:rPr lang="en-US" sz="1400" spc="-1" dirty="0">
                 <a:solidFill>
                   <a:srgbClr val="000000"/>
                 </a:solidFill>
@@ -7325,7 +7305,7 @@
               <a:t> </a:t>
             </a:r>
             <a:r>
-              <a:rPr lang="en-US" sz="1400" spc="-1" dirty="0" err="1" smtClean="0">
+              <a:rPr lang="en-US" sz="1400" spc="-1" dirty="0" err="1">
                 <a:solidFill>
                   <a:srgbClr val="000000"/>
                 </a:solidFill>
@@ -7335,7 +7315,7 @@
               <a:t>về</a:t>
             </a:r>
             <a:r>
-              <a:rPr lang="en-US" sz="1400" spc="-1" dirty="0" smtClean="0">
+              <a:rPr lang="en-US" sz="1400" spc="-1" dirty="0">
                 <a:solidFill>
                   <a:srgbClr val="000000"/>
                 </a:solidFill>
@@ -7345,7 +7325,7 @@
               <a:t> </a:t>
             </a:r>
             <a:r>
-              <a:rPr lang="en-US" sz="1400" spc="-1" dirty="0" err="1" smtClean="0">
+              <a:rPr lang="en-US" sz="1400" spc="-1" dirty="0" err="1">
                 <a:solidFill>
                   <a:srgbClr val="000000"/>
                 </a:solidFill>
@@ -7355,7 +7335,7 @@
               <a:t>sự</a:t>
             </a:r>
             <a:r>
-              <a:rPr lang="en-US" sz="1400" spc="-1" dirty="0" smtClean="0">
+              <a:rPr lang="en-US" sz="1400" spc="-1" dirty="0">
                 <a:solidFill>
                   <a:srgbClr val="000000"/>
                 </a:solidFill>
@@ -7365,7 +7345,7 @@
               <a:t> </a:t>
             </a:r>
             <a:r>
-              <a:rPr lang="en-US" sz="1400" spc="-1" dirty="0" err="1" smtClean="0">
+              <a:rPr lang="en-US" sz="1400" spc="-1" dirty="0" err="1">
                 <a:solidFill>
                   <a:srgbClr val="000000"/>
                 </a:solidFill>
@@ -7374,7 +7354,7 @@
               </a:rPr>
               <a:t>cố</a:t>
             </a:r>
-            <a:endParaRPr lang="en-US" sz="1400" spc="-1" dirty="0" smtClean="0">
+            <a:endParaRPr lang="en-US" sz="1400" spc="-1" dirty="0">
               <a:solidFill>
                 <a:srgbClr val="000000"/>
               </a:solidFill>
@@ -7395,7 +7375,7 @@
               </a:spcAft>
               <a:buAutoNum type="arabicPeriod"/>
             </a:pPr>
-            <a:endParaRPr lang="en-US" sz="1400" spc="-1" dirty="0" smtClean="0">
+            <a:endParaRPr lang="en-US" sz="1400" spc="-1" dirty="0">
               <a:solidFill>
                 <a:srgbClr val="000000"/>
               </a:solidFill>
@@ -7435,13 +7415,6 @@
   <p:transition>
     <p:fade thruBlk="1"/>
   </p:transition>
-  <p:timing>
-    <p:tnLst>
-      <p:par>
-        <p:cTn id="1" dur="indefinite" restart="never" nodeType="tmRoot"/>
-      </p:par>
-    </p:tnLst>
-  </p:timing>
 </p:sld>
 </file>
 
@@ -7571,13 +7544,6 @@
   <p:transition>
     <p:fade thruBlk="1"/>
   </p:transition>
-  <p:timing>
-    <p:tnLst>
-      <p:par>
-        <p:cTn id="1" dur="indefinite" restart="never" nodeType="tmRoot"/>
-      </p:par>
-    </p:tnLst>
-  </p:timing>
 </p:sld>
 </file>
 
@@ -7598,39 +7564,1519 @@
           <a:chExt cx="0" cy="0"/>
         </a:xfrm>
       </p:grpSpPr>
-      <p:sp>
-        <p:nvSpPr>
-          <p:cNvPr id="160" name="CustomShape 1"/>
-          <p:cNvSpPr/>
+      <p:cxnSp>
+        <p:nvCxnSpPr>
+          <p:cNvPr id="4" name="9Slide.com 1">
+            <a:extLst>
+              <a:ext uri="{FF2B5EF4-FFF2-40B4-BE49-F238E27FC236}">
+                <a16:creationId xmlns:a16="http://schemas.microsoft.com/office/drawing/2014/main" id="{1130B0F3-18C7-431E-9F9D-4EF0C82D3DD2}"/>
+              </a:ext>
+            </a:extLst>
+          </p:cNvPr>
+          <p:cNvCxnSpPr>
+            <a:cxnSpLocks/>
+          </p:cNvCxnSpPr>
           <p:nvPr/>
-        </p:nvSpPr>
-        <p:spPr>
-          <a:xfrm>
-            <a:off x="2043360" y="2697840"/>
-            <a:ext cx="3523320" cy="966960"/>
+        </p:nvCxnSpPr>
+        <p:spPr>
+          <a:xfrm>
+            <a:off x="2478125" y="3576491"/>
+            <a:ext cx="7235751" cy="0"/>
+          </a:xfrm>
+          <a:prstGeom prst="line">
+            <a:avLst/>
+          </a:prstGeom>
+          <a:ln w="15875"/>
+        </p:spPr>
+        <p:style>
+          <a:lnRef idx="1">
+            <a:schemeClr val="accent1"/>
+          </a:lnRef>
+          <a:fillRef idx="0">
+            <a:schemeClr val="accent1"/>
+          </a:fillRef>
+          <a:effectRef idx="0">
+            <a:schemeClr val="accent1"/>
+          </a:effectRef>
+          <a:fontRef idx="minor">
+            <a:schemeClr val="tx1"/>
+          </a:fontRef>
+        </p:style>
+      </p:cxnSp>
+      <p:sp>
+        <p:nvSpPr>
+          <p:cNvPr id="6" name="9Slide.com 10">
+            <a:extLst>
+              <a:ext uri="{FF2B5EF4-FFF2-40B4-BE49-F238E27FC236}">
+                <a16:creationId xmlns:a16="http://schemas.microsoft.com/office/drawing/2014/main" id="{72A8F87A-BAA6-47FD-8737-F752716864C6}"/>
+              </a:ext>
+            </a:extLst>
+          </p:cNvPr>
+          <p:cNvSpPr txBox="1"/>
+          <p:nvPr/>
+        </p:nvSpPr>
+        <p:spPr>
+          <a:xfrm flipH="1">
+            <a:off x="1243173" y="4230011"/>
+            <a:ext cx="1947186" cy="779701"/>
           </a:xfrm>
           <a:prstGeom prst="rect">
             <a:avLst/>
           </a:prstGeom>
           <a:noFill/>
+        </p:spPr>
+        <p:txBody>
+          <a:bodyPr wrap="square" lIns="0" tIns="0" rIns="0" bIns="0" rtlCol="0" anchor="ctr">
+            <a:spAutoFit/>
+          </a:bodyPr>
+          <a:lstStyle/>
+          <a:p>
+            <a:pPr algn="ctr">
+              <a:lnSpc>
+                <a:spcPct val="150000"/>
+              </a:lnSpc>
+            </a:pPr>
+            <a:r>
+              <a:rPr lang="en-US" dirty="0" err="1">
+                <a:solidFill>
+                  <a:schemeClr val="tx2"/>
+                </a:solidFill>
+                <a:latin typeface="+mj-lt"/>
+                <a:ea typeface="Roboto Medium" panose="02000000000000000000" pitchFamily="2" charset="0"/>
+                <a:cs typeface="Open Sans SemiBold" panose="020B0606030504020204" pitchFamily="34" charset="0"/>
+              </a:rPr>
+              <a:t>Đặt</a:t>
+            </a:r>
+            <a:r>
+              <a:rPr lang="en-US" dirty="0">
+                <a:solidFill>
+                  <a:schemeClr val="tx2"/>
+                </a:solidFill>
+                <a:latin typeface="+mj-lt"/>
+                <a:ea typeface="Roboto Medium" panose="02000000000000000000" pitchFamily="2" charset="0"/>
+                <a:cs typeface="Open Sans SemiBold" panose="020B0606030504020204" pitchFamily="34" charset="0"/>
+              </a:rPr>
+              <a:t> </a:t>
+            </a:r>
+            <a:r>
+              <a:rPr lang="en-US" dirty="0" err="1">
+                <a:solidFill>
+                  <a:schemeClr val="tx2"/>
+                </a:solidFill>
+                <a:latin typeface="+mj-lt"/>
+                <a:ea typeface="Roboto Medium" panose="02000000000000000000" pitchFamily="2" charset="0"/>
+                <a:cs typeface="Open Sans SemiBold" panose="020B0606030504020204" pitchFamily="34" charset="0"/>
+              </a:rPr>
+              <a:t>vấn</a:t>
+            </a:r>
+            <a:r>
+              <a:rPr lang="en-US" dirty="0">
+                <a:solidFill>
+                  <a:schemeClr val="tx2"/>
+                </a:solidFill>
+                <a:latin typeface="+mj-lt"/>
+                <a:ea typeface="Roboto Medium" panose="02000000000000000000" pitchFamily="2" charset="0"/>
+                <a:cs typeface="Open Sans SemiBold" panose="020B0606030504020204" pitchFamily="34" charset="0"/>
+              </a:rPr>
+              <a:t> </a:t>
+            </a:r>
+            <a:r>
+              <a:rPr lang="en-US" dirty="0" err="1">
+                <a:solidFill>
+                  <a:schemeClr val="tx2"/>
+                </a:solidFill>
+                <a:latin typeface="+mj-lt"/>
+                <a:ea typeface="Roboto Medium" panose="02000000000000000000" pitchFamily="2" charset="0"/>
+                <a:cs typeface="Open Sans SemiBold" panose="020B0606030504020204" pitchFamily="34" charset="0"/>
+              </a:rPr>
+              <a:t>đề</a:t>
+            </a:r>
+            <a:endParaRPr lang="en-US" dirty="0">
+              <a:solidFill>
+                <a:schemeClr val="tx2"/>
+              </a:solidFill>
+              <a:latin typeface="+mj-lt"/>
+              <a:ea typeface="Roboto Medium" panose="02000000000000000000" pitchFamily="2" charset="0"/>
+              <a:cs typeface="Open Sans SemiBold" panose="020B0606030504020204" pitchFamily="34" charset="0"/>
+            </a:endParaRPr>
+          </a:p>
+          <a:p>
+            <a:pPr algn="ctr">
+              <a:lnSpc>
+                <a:spcPct val="150000"/>
+              </a:lnSpc>
+            </a:pPr>
+            <a:r>
+              <a:rPr lang="en-US" dirty="0" err="1">
+                <a:solidFill>
+                  <a:schemeClr val="tx2"/>
+                </a:solidFill>
+                <a:latin typeface="+mj-lt"/>
+                <a:ea typeface="Roboto Medium" panose="02000000000000000000" pitchFamily="2" charset="0"/>
+                <a:cs typeface="Open Sans SemiBold" panose="020B0606030504020204" pitchFamily="34" charset="0"/>
+              </a:rPr>
+              <a:t>Nghiên</a:t>
+            </a:r>
+            <a:r>
+              <a:rPr lang="en-US" dirty="0">
+                <a:solidFill>
+                  <a:schemeClr val="tx2"/>
+                </a:solidFill>
+                <a:latin typeface="+mj-lt"/>
+                <a:ea typeface="Roboto Medium" panose="02000000000000000000" pitchFamily="2" charset="0"/>
+                <a:cs typeface="Open Sans SemiBold" panose="020B0606030504020204" pitchFamily="34" charset="0"/>
+              </a:rPr>
+              <a:t> </a:t>
+            </a:r>
+            <a:r>
+              <a:rPr lang="en-US" dirty="0" err="1">
+                <a:solidFill>
+                  <a:schemeClr val="tx2"/>
+                </a:solidFill>
+                <a:latin typeface="+mj-lt"/>
+                <a:ea typeface="Roboto Medium" panose="02000000000000000000" pitchFamily="2" charset="0"/>
+                <a:cs typeface="Open Sans SemiBold" panose="020B0606030504020204" pitchFamily="34" charset="0"/>
+              </a:rPr>
+              <a:t>cứu</a:t>
+            </a:r>
+            <a:r>
+              <a:rPr lang="en-US" dirty="0">
+                <a:solidFill>
+                  <a:schemeClr val="tx2"/>
+                </a:solidFill>
+                <a:latin typeface="+mj-lt"/>
+                <a:ea typeface="Roboto Medium" panose="02000000000000000000" pitchFamily="2" charset="0"/>
+                <a:cs typeface="Open Sans SemiBold" panose="020B0606030504020204" pitchFamily="34" charset="0"/>
+              </a:rPr>
+              <a:t> </a:t>
+            </a:r>
+            <a:r>
+              <a:rPr lang="en-US" dirty="0" err="1">
+                <a:solidFill>
+                  <a:schemeClr val="tx2"/>
+                </a:solidFill>
+                <a:latin typeface="+mj-lt"/>
+                <a:ea typeface="Roboto Medium" panose="02000000000000000000" pitchFamily="2" charset="0"/>
+                <a:cs typeface="Open Sans SemiBold" panose="020B0606030504020204" pitchFamily="34" charset="0"/>
+              </a:rPr>
+              <a:t>sơ</a:t>
+            </a:r>
+            <a:r>
+              <a:rPr lang="en-US" dirty="0">
+                <a:solidFill>
+                  <a:schemeClr val="tx2"/>
+                </a:solidFill>
+                <a:latin typeface="+mj-lt"/>
+                <a:ea typeface="Roboto Medium" panose="02000000000000000000" pitchFamily="2" charset="0"/>
+                <a:cs typeface="Open Sans SemiBold" panose="020B0606030504020204" pitchFamily="34" charset="0"/>
+              </a:rPr>
+              <a:t> </a:t>
+            </a:r>
+            <a:r>
+              <a:rPr lang="en-US" dirty="0" err="1">
+                <a:solidFill>
+                  <a:schemeClr val="tx2"/>
+                </a:solidFill>
+                <a:latin typeface="+mj-lt"/>
+                <a:ea typeface="Roboto Medium" panose="02000000000000000000" pitchFamily="2" charset="0"/>
+                <a:cs typeface="Open Sans SemiBold" panose="020B0606030504020204" pitchFamily="34" charset="0"/>
+              </a:rPr>
+              <a:t>bộ</a:t>
+            </a:r>
+            <a:endParaRPr lang="en-US" sz="1200" dirty="0">
+              <a:solidFill>
+                <a:schemeClr val="tx2"/>
+              </a:solidFill>
+              <a:latin typeface="+mj-lt"/>
+              <a:ea typeface="Roboto Medium" panose="02000000000000000000" pitchFamily="2" charset="0"/>
+              <a:cs typeface="Open Sans SemiBold" panose="020B0606030504020204" pitchFamily="34" charset="0"/>
+            </a:endParaRPr>
+          </a:p>
+        </p:txBody>
+      </p:sp>
+      <p:sp>
+        <p:nvSpPr>
+          <p:cNvPr id="7" name="9Slide.com 11">
+            <a:extLst>
+              <a:ext uri="{FF2B5EF4-FFF2-40B4-BE49-F238E27FC236}">
+                <a16:creationId xmlns:a16="http://schemas.microsoft.com/office/drawing/2014/main" id="{4FA53726-50A5-4C8D-897A-1527CCE87DF7}"/>
+              </a:ext>
+            </a:extLst>
+          </p:cNvPr>
+          <p:cNvSpPr>
+            <a:spLocks noChangeAspect="1"/>
+          </p:cNvSpPr>
+          <p:nvPr/>
+        </p:nvSpPr>
+        <p:spPr>
+          <a:xfrm>
+            <a:off x="1665986" y="3023860"/>
+            <a:ext cx="1101561" cy="1105263"/>
+          </a:xfrm>
+          <a:prstGeom prst="ellipse">
+            <a:avLst/>
+          </a:prstGeom>
+          <a:gradFill>
+            <a:gsLst>
+              <a:gs pos="0">
+                <a:schemeClr val="accent1"/>
+              </a:gs>
+              <a:gs pos="100000">
+                <a:schemeClr val="accent1">
+                  <a:lumMod val="75000"/>
+                </a:schemeClr>
+              </a:gs>
+            </a:gsLst>
+            <a:lin ang="5400000" scaled="0"/>
+          </a:gradFill>
           <a:ln>
             <a:noFill/>
           </a:ln>
+          <a:effectLst>
+            <a:outerShdw blurRad="127000" dist="50800" dir="4800000" algn="ctr" rotWithShape="0">
+              <a:prstClr val="black">
+                <a:alpha val="10000"/>
+              </a:prstClr>
+            </a:outerShdw>
+          </a:effectLst>
         </p:spPr>
         <p:style>
-          <a:lnRef idx="0">
-            <a:scrgbClr r="0" g="0" b="0"/>
+          <a:lnRef idx="2">
+            <a:schemeClr val="accent1">
+              <a:shade val="50000"/>
+            </a:schemeClr>
           </a:lnRef>
-          <a:fillRef idx="0">
-            <a:scrgbClr r="0" g="0" b="0"/>
+          <a:fillRef idx="1">
+            <a:schemeClr val="accent1"/>
           </a:fillRef>
           <a:effectRef idx="0">
-            <a:scrgbClr r="0" g="0" b="0"/>
+            <a:schemeClr val="accent1"/>
           </a:effectRef>
-          <a:fontRef idx="minor"/>
+          <a:fontRef idx="minor">
+            <a:schemeClr val="lt1"/>
+          </a:fontRef>
         </p:style>
         <p:txBody>
-          <a:bodyPr wrap="none" lIns="90000" tIns="45000" rIns="90000" bIns="45000">
+          <a:bodyPr rtlCol="0" anchor="ctr"/>
+          <a:lstStyle/>
+          <a:p>
+            <a:pPr algn="ctr"/>
+            <a:endParaRPr lang="en-EG"/>
+          </a:p>
+        </p:txBody>
+      </p:sp>
+      <p:sp>
+        <p:nvSpPr>
+          <p:cNvPr id="8" name="9Slide.com 12">
+            <a:extLst>
+              <a:ext uri="{FF2B5EF4-FFF2-40B4-BE49-F238E27FC236}">
+                <a16:creationId xmlns:a16="http://schemas.microsoft.com/office/drawing/2014/main" id="{6BEC9B14-5676-466F-A33D-9B797E29BABD}"/>
+              </a:ext>
+            </a:extLst>
+          </p:cNvPr>
+          <p:cNvSpPr>
+            <a:spLocks noChangeAspect="1"/>
+          </p:cNvSpPr>
+          <p:nvPr/>
+        </p:nvSpPr>
+        <p:spPr>
+          <a:xfrm>
+            <a:off x="1716057" y="3074099"/>
+            <a:ext cx="1001419" cy="1004785"/>
+          </a:xfrm>
+          <a:prstGeom prst="ellipse">
+            <a:avLst/>
+          </a:prstGeom>
+          <a:gradFill flip="none" rotWithShape="1">
+            <a:gsLst>
+              <a:gs pos="0">
+                <a:schemeClr val="bg2"/>
+              </a:gs>
+              <a:gs pos="100000">
+                <a:schemeClr val="bg2">
+                  <a:lumMod val="95000"/>
+                </a:schemeClr>
+              </a:gs>
+            </a:gsLst>
+            <a:path path="circle">
+              <a:fillToRect l="50000" t="50000" r="50000" b="50000"/>
+            </a:path>
+            <a:tileRect/>
+          </a:gradFill>
+          <a:ln>
+            <a:noFill/>
+          </a:ln>
+          <a:effectLst>
+            <a:outerShdw blurRad="127000" dist="50800" dir="4800000" algn="ctr" rotWithShape="0">
+              <a:prstClr val="black">
+                <a:alpha val="10000"/>
+              </a:prstClr>
+            </a:outerShdw>
+          </a:effectLst>
+        </p:spPr>
+        <p:style>
+          <a:lnRef idx="2">
+            <a:schemeClr val="accent1">
+              <a:shade val="50000"/>
+            </a:schemeClr>
+          </a:lnRef>
+          <a:fillRef idx="1">
+            <a:schemeClr val="accent1"/>
+          </a:fillRef>
+          <a:effectRef idx="0">
+            <a:schemeClr val="accent1"/>
+          </a:effectRef>
+          <a:fontRef idx="minor">
+            <a:schemeClr val="lt1"/>
+          </a:fontRef>
+        </p:style>
+        <p:txBody>
+          <a:bodyPr rtlCol="0" anchor="ctr"/>
+          <a:lstStyle/>
+          <a:p>
+            <a:pPr algn="ctr"/>
+            <a:endParaRPr lang="en-EG"/>
+          </a:p>
+        </p:txBody>
+      </p:sp>
+      <p:sp>
+        <p:nvSpPr>
+          <p:cNvPr id="9" name="9Slide.com 13">
+            <a:extLst>
+              <a:ext uri="{FF2B5EF4-FFF2-40B4-BE49-F238E27FC236}">
+                <a16:creationId xmlns:a16="http://schemas.microsoft.com/office/drawing/2014/main" id="{24E732BD-6159-4871-8006-ADD8DA22AB27}"/>
+              </a:ext>
+            </a:extLst>
+          </p:cNvPr>
+          <p:cNvSpPr/>
+          <p:nvPr/>
+        </p:nvSpPr>
+        <p:spPr>
+          <a:xfrm>
+            <a:off x="1813788" y="3568620"/>
+            <a:ext cx="850419" cy="276999"/>
+          </a:xfrm>
+          <a:prstGeom prst="rect">
+            <a:avLst/>
+          </a:prstGeom>
+        </p:spPr>
+        <p:txBody>
+          <a:bodyPr wrap="square" lIns="0" tIns="0" rIns="0" bIns="0" anchor="ctr">
+            <a:spAutoFit/>
+          </a:bodyPr>
+          <a:lstStyle/>
+          <a:p>
+            <a:pPr algn="ctr"/>
+            <a:r>
+              <a:rPr lang="en-US" b="1" dirty="0">
+                <a:solidFill>
+                  <a:schemeClr val="accent1"/>
+                </a:solidFill>
+                <a:latin typeface="#9Slide03 Ralewayv4020" panose="00000500000000000000" pitchFamily="2" charset="0"/>
+                <a:ea typeface="Roboto" panose="02000000000000000000" pitchFamily="2" charset="0"/>
+                <a:cs typeface="Open Sans" panose="020B0606030504020204" pitchFamily="34" charset="0"/>
+              </a:rPr>
+              <a:t>08/2022</a:t>
+            </a:r>
+          </a:p>
+        </p:txBody>
+      </p:sp>
+      <p:sp>
+        <p:nvSpPr>
+          <p:cNvPr id="10" name="9Slide.com 14">
+            <a:extLst>
+              <a:ext uri="{FF2B5EF4-FFF2-40B4-BE49-F238E27FC236}">
+                <a16:creationId xmlns:a16="http://schemas.microsoft.com/office/drawing/2014/main" id="{0F68AB49-C064-43CC-A49E-CEA1F200BFDE}"/>
+              </a:ext>
+            </a:extLst>
+          </p:cNvPr>
+          <p:cNvSpPr>
+            <a:spLocks noChangeAspect="1" noEditPoints="1"/>
+          </p:cNvSpPr>
+          <p:nvPr/>
+        </p:nvSpPr>
+        <p:spPr bwMode="auto">
+          <a:xfrm>
+            <a:off x="2064105" y="3346216"/>
+            <a:ext cx="305322" cy="169989"/>
+          </a:xfrm>
+          <a:custGeom>
+            <a:avLst/>
+            <a:gdLst>
+              <a:gd name="T0" fmla="*/ 274638 w 185"/>
+              <a:gd name="T1" fmla="*/ 55562 h 103"/>
+              <a:gd name="T2" fmla="*/ 274638 w 185"/>
+              <a:gd name="T3" fmla="*/ 0 h 103"/>
+              <a:gd name="T4" fmla="*/ 0 w 185"/>
+              <a:gd name="T5" fmla="*/ 0 h 103"/>
+              <a:gd name="T6" fmla="*/ 0 w 185"/>
+              <a:gd name="T7" fmla="*/ 163512 h 103"/>
+              <a:gd name="T8" fmla="*/ 274638 w 185"/>
+              <a:gd name="T9" fmla="*/ 163512 h 103"/>
+              <a:gd name="T10" fmla="*/ 274638 w 185"/>
+              <a:gd name="T11" fmla="*/ 128587 h 103"/>
+              <a:gd name="T12" fmla="*/ 293688 w 185"/>
+              <a:gd name="T13" fmla="*/ 128587 h 103"/>
+              <a:gd name="T14" fmla="*/ 293688 w 185"/>
+              <a:gd name="T15" fmla="*/ 55562 h 103"/>
+              <a:gd name="T16" fmla="*/ 274638 w 185"/>
+              <a:gd name="T17" fmla="*/ 55562 h 103"/>
+              <a:gd name="T18" fmla="*/ 238125 w 185"/>
+              <a:gd name="T19" fmla="*/ 128587 h 103"/>
+              <a:gd name="T20" fmla="*/ 36513 w 185"/>
+              <a:gd name="T21" fmla="*/ 128587 h 103"/>
+              <a:gd name="T22" fmla="*/ 36513 w 185"/>
+              <a:gd name="T23" fmla="*/ 34925 h 103"/>
+              <a:gd name="T24" fmla="*/ 238125 w 185"/>
+              <a:gd name="T25" fmla="*/ 34925 h 103"/>
+              <a:gd name="T26" fmla="*/ 238125 w 185"/>
+              <a:gd name="T27" fmla="*/ 128587 h 103"/>
+              <a:gd name="T28" fmla="*/ 0 60000 65536"/>
+              <a:gd name="T29" fmla="*/ 0 60000 65536"/>
+              <a:gd name="T30" fmla="*/ 0 60000 65536"/>
+              <a:gd name="T31" fmla="*/ 0 60000 65536"/>
+              <a:gd name="T32" fmla="*/ 0 60000 65536"/>
+              <a:gd name="T33" fmla="*/ 0 60000 65536"/>
+              <a:gd name="T34" fmla="*/ 0 60000 65536"/>
+              <a:gd name="T35" fmla="*/ 0 60000 65536"/>
+              <a:gd name="T36" fmla="*/ 0 60000 65536"/>
+              <a:gd name="T37" fmla="*/ 0 60000 65536"/>
+              <a:gd name="T38" fmla="*/ 0 60000 65536"/>
+              <a:gd name="T39" fmla="*/ 0 60000 65536"/>
+              <a:gd name="T40" fmla="*/ 0 60000 65536"/>
+              <a:gd name="T41" fmla="*/ 0 60000 65536"/>
+            </a:gdLst>
+            <a:ahLst/>
+            <a:cxnLst>
+              <a:cxn ang="T28">
+                <a:pos x="T0" y="T1"/>
+              </a:cxn>
+              <a:cxn ang="T29">
+                <a:pos x="T2" y="T3"/>
+              </a:cxn>
+              <a:cxn ang="T30">
+                <a:pos x="T4" y="T5"/>
+              </a:cxn>
+              <a:cxn ang="T31">
+                <a:pos x="T6" y="T7"/>
+              </a:cxn>
+              <a:cxn ang="T32">
+                <a:pos x="T8" y="T9"/>
+              </a:cxn>
+              <a:cxn ang="T33">
+                <a:pos x="T10" y="T11"/>
+              </a:cxn>
+              <a:cxn ang="T34">
+                <a:pos x="T12" y="T13"/>
+              </a:cxn>
+              <a:cxn ang="T35">
+                <a:pos x="T14" y="T15"/>
+              </a:cxn>
+              <a:cxn ang="T36">
+                <a:pos x="T16" y="T17"/>
+              </a:cxn>
+              <a:cxn ang="T37">
+                <a:pos x="T18" y="T19"/>
+              </a:cxn>
+              <a:cxn ang="T38">
+                <a:pos x="T20" y="T21"/>
+              </a:cxn>
+              <a:cxn ang="T39">
+                <a:pos x="T22" y="T23"/>
+              </a:cxn>
+              <a:cxn ang="T40">
+                <a:pos x="T24" y="T25"/>
+              </a:cxn>
+              <a:cxn ang="T41">
+                <a:pos x="T26" y="T27"/>
+              </a:cxn>
+            </a:cxnLst>
+            <a:rect l="0" t="0" r="r" b="b"/>
+            <a:pathLst>
+              <a:path w="185" h="103">
+                <a:moveTo>
+                  <a:pt x="173" y="35"/>
+                </a:moveTo>
+                <a:lnTo>
+                  <a:pt x="173" y="0"/>
+                </a:lnTo>
+                <a:lnTo>
+                  <a:pt x="0" y="0"/>
+                </a:lnTo>
+                <a:lnTo>
+                  <a:pt x="0" y="103"/>
+                </a:lnTo>
+                <a:lnTo>
+                  <a:pt x="173" y="103"/>
+                </a:lnTo>
+                <a:lnTo>
+                  <a:pt x="173" y="81"/>
+                </a:lnTo>
+                <a:lnTo>
+                  <a:pt x="185" y="81"/>
+                </a:lnTo>
+                <a:lnTo>
+                  <a:pt x="185" y="35"/>
+                </a:lnTo>
+                <a:lnTo>
+                  <a:pt x="173" y="35"/>
+                </a:lnTo>
+                <a:close/>
+                <a:moveTo>
+                  <a:pt x="150" y="81"/>
+                </a:moveTo>
+                <a:lnTo>
+                  <a:pt x="23" y="81"/>
+                </a:lnTo>
+                <a:lnTo>
+                  <a:pt x="23" y="22"/>
+                </a:lnTo>
+                <a:lnTo>
+                  <a:pt x="150" y="22"/>
+                </a:lnTo>
+                <a:lnTo>
+                  <a:pt x="150" y="81"/>
+                </a:lnTo>
+                <a:close/>
+              </a:path>
+            </a:pathLst>
+          </a:custGeom>
+          <a:solidFill>
+            <a:schemeClr val="tx2"/>
+          </a:solidFill>
+          <a:ln>
+            <a:noFill/>
+          </a:ln>
+        </p:spPr>
+        <p:txBody>
+          <a:bodyPr/>
+          <a:lstStyle/>
+          <a:p>
+            <a:endParaRPr lang="en-US" dirty="0"/>
+          </a:p>
+        </p:txBody>
+      </p:sp>
+      <p:sp>
+        <p:nvSpPr>
+          <p:cNvPr id="12" name="9Slide.com 16">
+            <a:extLst>
+              <a:ext uri="{FF2B5EF4-FFF2-40B4-BE49-F238E27FC236}">
+                <a16:creationId xmlns:a16="http://schemas.microsoft.com/office/drawing/2014/main" id="{06A650DE-8E27-468D-B4FF-0F08B288A83E}"/>
+              </a:ext>
+            </a:extLst>
+          </p:cNvPr>
+          <p:cNvSpPr>
+            <a:spLocks noChangeAspect="1"/>
+          </p:cNvSpPr>
+          <p:nvPr/>
+        </p:nvSpPr>
+        <p:spPr>
+          <a:xfrm>
+            <a:off x="9230456" y="3023860"/>
+            <a:ext cx="1101561" cy="1105263"/>
+          </a:xfrm>
+          <a:prstGeom prst="ellipse">
+            <a:avLst/>
+          </a:prstGeom>
+          <a:gradFill>
+            <a:gsLst>
+              <a:gs pos="0">
+                <a:schemeClr val="accent1"/>
+              </a:gs>
+              <a:gs pos="100000">
+                <a:schemeClr val="accent1">
+                  <a:lumMod val="75000"/>
+                </a:schemeClr>
+              </a:gs>
+            </a:gsLst>
+            <a:lin ang="5400000" scaled="0"/>
+          </a:gradFill>
+          <a:ln>
+            <a:noFill/>
+          </a:ln>
+          <a:effectLst>
+            <a:outerShdw blurRad="127000" dist="50800" dir="4800000" algn="ctr" rotWithShape="0">
+              <a:prstClr val="black">
+                <a:alpha val="10000"/>
+              </a:prstClr>
+            </a:outerShdw>
+          </a:effectLst>
+        </p:spPr>
+        <p:style>
+          <a:lnRef idx="2">
+            <a:schemeClr val="accent1">
+              <a:shade val="50000"/>
+            </a:schemeClr>
+          </a:lnRef>
+          <a:fillRef idx="1">
+            <a:schemeClr val="accent1"/>
+          </a:fillRef>
+          <a:effectRef idx="0">
+            <a:schemeClr val="accent1"/>
+          </a:effectRef>
+          <a:fontRef idx="minor">
+            <a:schemeClr val="lt1"/>
+          </a:fontRef>
+        </p:style>
+        <p:txBody>
+          <a:bodyPr rtlCol="0" anchor="ctr"/>
+          <a:lstStyle/>
+          <a:p>
+            <a:pPr algn="ctr"/>
+            <a:endParaRPr lang="en-EG"/>
+          </a:p>
+        </p:txBody>
+      </p:sp>
+      <p:sp>
+        <p:nvSpPr>
+          <p:cNvPr id="13" name="9Slide.com 17">
+            <a:extLst>
+              <a:ext uri="{FF2B5EF4-FFF2-40B4-BE49-F238E27FC236}">
+                <a16:creationId xmlns:a16="http://schemas.microsoft.com/office/drawing/2014/main" id="{4B28A90B-D4F6-483B-A14F-5619542CCBE7}"/>
+              </a:ext>
+            </a:extLst>
+          </p:cNvPr>
+          <p:cNvSpPr>
+            <a:spLocks noChangeAspect="1"/>
+          </p:cNvSpPr>
+          <p:nvPr/>
+        </p:nvSpPr>
+        <p:spPr>
+          <a:xfrm>
+            <a:off x="9280527" y="3074099"/>
+            <a:ext cx="1001419" cy="1004785"/>
+          </a:xfrm>
+          <a:prstGeom prst="ellipse">
+            <a:avLst/>
+          </a:prstGeom>
+          <a:gradFill flip="none" rotWithShape="1">
+            <a:gsLst>
+              <a:gs pos="0">
+                <a:schemeClr val="bg2"/>
+              </a:gs>
+              <a:gs pos="100000">
+                <a:schemeClr val="bg2">
+                  <a:lumMod val="95000"/>
+                </a:schemeClr>
+              </a:gs>
+            </a:gsLst>
+            <a:path path="circle">
+              <a:fillToRect l="50000" t="50000" r="50000" b="50000"/>
+            </a:path>
+            <a:tileRect/>
+          </a:gradFill>
+          <a:ln>
+            <a:noFill/>
+          </a:ln>
+          <a:effectLst>
+            <a:outerShdw blurRad="127000" dist="50800" dir="4800000" algn="ctr" rotWithShape="0">
+              <a:prstClr val="black">
+                <a:alpha val="10000"/>
+              </a:prstClr>
+            </a:outerShdw>
+          </a:effectLst>
+        </p:spPr>
+        <p:style>
+          <a:lnRef idx="2">
+            <a:schemeClr val="accent1">
+              <a:shade val="50000"/>
+            </a:schemeClr>
+          </a:lnRef>
+          <a:fillRef idx="1">
+            <a:schemeClr val="accent1"/>
+          </a:fillRef>
+          <a:effectRef idx="0">
+            <a:schemeClr val="accent1"/>
+          </a:effectRef>
+          <a:fontRef idx="minor">
+            <a:schemeClr val="lt1"/>
+          </a:fontRef>
+        </p:style>
+        <p:txBody>
+          <a:bodyPr rtlCol="0" anchor="ctr"/>
+          <a:lstStyle/>
+          <a:p>
+            <a:pPr algn="ctr"/>
+            <a:endParaRPr lang="en-EG"/>
+          </a:p>
+        </p:txBody>
+      </p:sp>
+      <p:sp>
+        <p:nvSpPr>
+          <p:cNvPr id="14" name="9Slide.com 18">
+            <a:extLst>
+              <a:ext uri="{FF2B5EF4-FFF2-40B4-BE49-F238E27FC236}">
+                <a16:creationId xmlns:a16="http://schemas.microsoft.com/office/drawing/2014/main" id="{7ABC7281-9F97-4015-8758-5C6835585477}"/>
+              </a:ext>
+            </a:extLst>
+          </p:cNvPr>
+          <p:cNvSpPr/>
+          <p:nvPr/>
+        </p:nvSpPr>
+        <p:spPr>
+          <a:xfrm>
+            <a:off x="9378258" y="3568620"/>
+            <a:ext cx="850419" cy="276999"/>
+          </a:xfrm>
+          <a:prstGeom prst="rect">
+            <a:avLst/>
+          </a:prstGeom>
+        </p:spPr>
+        <p:txBody>
+          <a:bodyPr wrap="square" lIns="0" tIns="0" rIns="0" bIns="0" anchor="ctr">
+            <a:spAutoFit/>
+          </a:bodyPr>
+          <a:lstStyle/>
+          <a:p>
+            <a:pPr algn="ctr"/>
+            <a:r>
+              <a:rPr lang="en-US" b="1" dirty="0">
+                <a:solidFill>
+                  <a:schemeClr val="accent1"/>
+                </a:solidFill>
+                <a:latin typeface="#9Slide03 Ralewayv4020" panose="00000500000000000000" pitchFamily="2" charset="0"/>
+                <a:ea typeface="Roboto" panose="02000000000000000000" pitchFamily="2" charset="0"/>
+                <a:cs typeface="Open Sans" panose="020B0606030504020204" pitchFamily="34" charset="0"/>
+              </a:rPr>
+              <a:t>10/2022</a:t>
+            </a:r>
+          </a:p>
+        </p:txBody>
+      </p:sp>
+      <p:sp>
+        <p:nvSpPr>
+          <p:cNvPr id="20" name="9Slide.com 24">
+            <a:extLst>
+              <a:ext uri="{FF2B5EF4-FFF2-40B4-BE49-F238E27FC236}">
+                <a16:creationId xmlns:a16="http://schemas.microsoft.com/office/drawing/2014/main" id="{530D4505-21B4-4D69-AD8D-166EB4BB80CC}"/>
+              </a:ext>
+            </a:extLst>
+          </p:cNvPr>
+          <p:cNvSpPr>
+            <a:spLocks noChangeAspect="1"/>
+          </p:cNvSpPr>
+          <p:nvPr/>
+        </p:nvSpPr>
+        <p:spPr>
+          <a:xfrm>
+            <a:off x="5536995" y="3023860"/>
+            <a:ext cx="1101561" cy="1105263"/>
+          </a:xfrm>
+          <a:prstGeom prst="ellipse">
+            <a:avLst/>
+          </a:prstGeom>
+          <a:solidFill>
+            <a:schemeClr val="tx2"/>
+          </a:solidFill>
+          <a:ln>
+            <a:noFill/>
+          </a:ln>
+          <a:effectLst>
+            <a:outerShdw blurRad="127000" dist="50800" dir="4800000" algn="ctr" rotWithShape="0">
+              <a:prstClr val="black">
+                <a:alpha val="10000"/>
+              </a:prstClr>
+            </a:outerShdw>
+          </a:effectLst>
+        </p:spPr>
+        <p:style>
+          <a:lnRef idx="2">
+            <a:schemeClr val="accent1">
+              <a:shade val="50000"/>
+            </a:schemeClr>
+          </a:lnRef>
+          <a:fillRef idx="1">
+            <a:schemeClr val="accent1"/>
+          </a:fillRef>
+          <a:effectRef idx="0">
+            <a:schemeClr val="accent1"/>
+          </a:effectRef>
+          <a:fontRef idx="minor">
+            <a:schemeClr val="lt1"/>
+          </a:fontRef>
+        </p:style>
+        <p:txBody>
+          <a:bodyPr rtlCol="0" anchor="ctr"/>
+          <a:lstStyle/>
+          <a:p>
+            <a:pPr algn="ctr"/>
+            <a:endParaRPr lang="en-EG"/>
+          </a:p>
+        </p:txBody>
+      </p:sp>
+      <p:sp>
+        <p:nvSpPr>
+          <p:cNvPr id="21" name="9Slide.com 25">
+            <a:extLst>
+              <a:ext uri="{FF2B5EF4-FFF2-40B4-BE49-F238E27FC236}">
+                <a16:creationId xmlns:a16="http://schemas.microsoft.com/office/drawing/2014/main" id="{7B2AFE7A-B13D-4A26-8417-920A071777E1}"/>
+              </a:ext>
+            </a:extLst>
+          </p:cNvPr>
+          <p:cNvSpPr>
+            <a:spLocks noChangeAspect="1"/>
+          </p:cNvSpPr>
+          <p:nvPr/>
+        </p:nvSpPr>
+        <p:spPr>
+          <a:xfrm>
+            <a:off x="5587066" y="3074099"/>
+            <a:ext cx="1001419" cy="1004785"/>
+          </a:xfrm>
+          <a:prstGeom prst="ellipse">
+            <a:avLst/>
+          </a:prstGeom>
+          <a:gradFill flip="none" rotWithShape="1">
+            <a:gsLst>
+              <a:gs pos="0">
+                <a:schemeClr val="bg2"/>
+              </a:gs>
+              <a:gs pos="100000">
+                <a:schemeClr val="bg2">
+                  <a:lumMod val="95000"/>
+                </a:schemeClr>
+              </a:gs>
+            </a:gsLst>
+            <a:path path="circle">
+              <a:fillToRect l="50000" t="50000" r="50000" b="50000"/>
+            </a:path>
+            <a:tileRect/>
+          </a:gradFill>
+          <a:ln>
+            <a:noFill/>
+          </a:ln>
+          <a:effectLst>
+            <a:outerShdw blurRad="127000" dist="50800" dir="4800000" algn="ctr" rotWithShape="0">
+              <a:prstClr val="black">
+                <a:alpha val="10000"/>
+              </a:prstClr>
+            </a:outerShdw>
+          </a:effectLst>
+        </p:spPr>
+        <p:style>
+          <a:lnRef idx="2">
+            <a:schemeClr val="accent1">
+              <a:shade val="50000"/>
+            </a:schemeClr>
+          </a:lnRef>
+          <a:fillRef idx="1">
+            <a:schemeClr val="accent1"/>
+          </a:fillRef>
+          <a:effectRef idx="0">
+            <a:schemeClr val="accent1"/>
+          </a:effectRef>
+          <a:fontRef idx="minor">
+            <a:schemeClr val="lt1"/>
+          </a:fontRef>
+        </p:style>
+        <p:txBody>
+          <a:bodyPr rtlCol="0" anchor="ctr"/>
+          <a:lstStyle/>
+          <a:p>
+            <a:pPr algn="ctr"/>
+            <a:endParaRPr lang="en-EG"/>
+          </a:p>
+        </p:txBody>
+      </p:sp>
+      <p:sp>
+        <p:nvSpPr>
+          <p:cNvPr id="22" name="9Slide.com 26">
+            <a:extLst>
+              <a:ext uri="{FF2B5EF4-FFF2-40B4-BE49-F238E27FC236}">
+                <a16:creationId xmlns:a16="http://schemas.microsoft.com/office/drawing/2014/main" id="{4BC2E268-7631-4BBA-9B03-92CF465A1CEA}"/>
+              </a:ext>
+            </a:extLst>
+          </p:cNvPr>
+          <p:cNvSpPr/>
+          <p:nvPr/>
+        </p:nvSpPr>
+        <p:spPr>
+          <a:xfrm>
+            <a:off x="5569387" y="3568620"/>
+            <a:ext cx="1051490" cy="276999"/>
+          </a:xfrm>
+          <a:prstGeom prst="rect">
+            <a:avLst/>
+          </a:prstGeom>
+        </p:spPr>
+        <p:txBody>
+          <a:bodyPr wrap="square" lIns="0" tIns="0" rIns="0" bIns="0" anchor="ctr">
+            <a:spAutoFit/>
+          </a:bodyPr>
+          <a:lstStyle/>
+          <a:p>
+            <a:pPr algn="ctr"/>
+            <a:r>
+              <a:rPr lang="en-US" b="1" dirty="0">
+                <a:solidFill>
+                  <a:schemeClr val="tx2"/>
+                </a:solidFill>
+                <a:latin typeface="#9Slide03 Ralewayv4020" panose="00000500000000000000" pitchFamily="2" charset="0"/>
+                <a:ea typeface="Roboto" panose="02000000000000000000" pitchFamily="2" charset="0"/>
+                <a:cs typeface="Open Sans" panose="020B0606030504020204" pitchFamily="34" charset="0"/>
+              </a:rPr>
+              <a:t>09/2022</a:t>
+            </a:r>
+          </a:p>
+        </p:txBody>
+      </p:sp>
+      <p:grpSp>
+        <p:nvGrpSpPr>
+          <p:cNvPr id="23" name="9Slide.com 27">
+            <a:extLst>
+              <a:ext uri="{FF2B5EF4-FFF2-40B4-BE49-F238E27FC236}">
+                <a16:creationId xmlns:a16="http://schemas.microsoft.com/office/drawing/2014/main" id="{02B98F4C-D0AE-45F8-96F2-DC245CB8C6F0}"/>
+              </a:ext>
+            </a:extLst>
+          </p:cNvPr>
+          <p:cNvGrpSpPr>
+            <a:grpSpLocks noChangeAspect="1"/>
+          </p:cNvGrpSpPr>
+          <p:nvPr/>
+        </p:nvGrpSpPr>
+        <p:grpSpPr>
+          <a:xfrm>
+            <a:off x="5935940" y="3346215"/>
+            <a:ext cx="303670" cy="169990"/>
+            <a:chOff x="5599113" y="798513"/>
+            <a:chExt cx="292100" cy="163513"/>
+          </a:xfrm>
+          <a:solidFill>
+            <a:schemeClr val="tx2"/>
+          </a:solidFill>
+        </p:grpSpPr>
+        <p:sp>
+          <p:nvSpPr>
+            <p:cNvPr id="24" name="9Slide.com 28">
+              <a:extLst>
+                <a:ext uri="{FF2B5EF4-FFF2-40B4-BE49-F238E27FC236}">
+                  <a16:creationId xmlns:a16="http://schemas.microsoft.com/office/drawing/2014/main" id="{A796F504-CBE2-4513-9E37-E1543461E917}"/>
+                </a:ext>
+              </a:extLst>
+            </p:cNvPr>
+            <p:cNvSpPr>
+              <a:spLocks noEditPoints="1"/>
+            </p:cNvSpPr>
+            <p:nvPr/>
+          </p:nvSpPr>
+          <p:spPr bwMode="auto">
+            <a:xfrm>
+              <a:off x="5599113" y="798513"/>
+              <a:ext cx="292100" cy="163513"/>
+            </a:xfrm>
+            <a:custGeom>
+              <a:avLst/>
+              <a:gdLst/>
+              <a:ahLst/>
+              <a:cxnLst>
+                <a:cxn ang="0">
+                  <a:pos x="172" y="35"/>
+                </a:cxn>
+                <a:cxn ang="0">
+                  <a:pos x="172" y="0"/>
+                </a:cxn>
+                <a:cxn ang="0">
+                  <a:pos x="0" y="0"/>
+                </a:cxn>
+                <a:cxn ang="0">
+                  <a:pos x="0" y="103"/>
+                </a:cxn>
+                <a:cxn ang="0">
+                  <a:pos x="172" y="103"/>
+                </a:cxn>
+                <a:cxn ang="0">
+                  <a:pos x="172" y="81"/>
+                </a:cxn>
+                <a:cxn ang="0">
+                  <a:pos x="184" y="81"/>
+                </a:cxn>
+                <a:cxn ang="0">
+                  <a:pos x="184" y="35"/>
+                </a:cxn>
+                <a:cxn ang="0">
+                  <a:pos x="172" y="35"/>
+                </a:cxn>
+                <a:cxn ang="0">
+                  <a:pos x="149" y="81"/>
+                </a:cxn>
+                <a:cxn ang="0">
+                  <a:pos x="22" y="81"/>
+                </a:cxn>
+                <a:cxn ang="0">
+                  <a:pos x="22" y="22"/>
+                </a:cxn>
+                <a:cxn ang="0">
+                  <a:pos x="149" y="22"/>
+                </a:cxn>
+                <a:cxn ang="0">
+                  <a:pos x="149" y="81"/>
+                </a:cxn>
+              </a:cxnLst>
+              <a:rect l="0" t="0" r="r" b="b"/>
+              <a:pathLst>
+                <a:path w="184" h="103">
+                  <a:moveTo>
+                    <a:pt x="172" y="35"/>
+                  </a:moveTo>
+                  <a:lnTo>
+                    <a:pt x="172" y="0"/>
+                  </a:lnTo>
+                  <a:lnTo>
+                    <a:pt x="0" y="0"/>
+                  </a:lnTo>
+                  <a:lnTo>
+                    <a:pt x="0" y="103"/>
+                  </a:lnTo>
+                  <a:lnTo>
+                    <a:pt x="172" y="103"/>
+                  </a:lnTo>
+                  <a:lnTo>
+                    <a:pt x="172" y="81"/>
+                  </a:lnTo>
+                  <a:lnTo>
+                    <a:pt x="184" y="81"/>
+                  </a:lnTo>
+                  <a:lnTo>
+                    <a:pt x="184" y="35"/>
+                  </a:lnTo>
+                  <a:lnTo>
+                    <a:pt x="172" y="35"/>
+                  </a:lnTo>
+                  <a:close/>
+                  <a:moveTo>
+                    <a:pt x="149" y="81"/>
+                  </a:moveTo>
+                  <a:lnTo>
+                    <a:pt x="22" y="81"/>
+                  </a:lnTo>
+                  <a:lnTo>
+                    <a:pt x="22" y="22"/>
+                  </a:lnTo>
+                  <a:lnTo>
+                    <a:pt x="149" y="22"/>
+                  </a:lnTo>
+                  <a:lnTo>
+                    <a:pt x="149" y="81"/>
+                  </a:lnTo>
+                  <a:close/>
+                </a:path>
+              </a:pathLst>
+            </a:custGeom>
+            <a:grpFill/>
+            <a:ln w="9525">
+              <a:noFill/>
+              <a:round/>
+              <a:headEnd/>
+              <a:tailEnd/>
+            </a:ln>
+          </p:spPr>
+          <p:txBody>
+            <a:bodyPr/>
+            <a:lstStyle/>
+            <a:p>
+              <a:pPr fontAlgn="auto">
+                <a:spcBef>
+                  <a:spcPts val="0"/>
+                </a:spcBef>
+                <a:spcAft>
+                  <a:spcPts val="0"/>
+                </a:spcAft>
+                <a:defRPr/>
+              </a:pPr>
+              <a:endParaRPr lang="en-US" dirty="0">
+                <a:latin typeface="+mn-lt"/>
+                <a:ea typeface="+mn-ea"/>
+              </a:endParaRPr>
+            </a:p>
+          </p:txBody>
+        </p:sp>
+        <p:sp>
+          <p:nvSpPr>
+            <p:cNvPr id="25" name="9Slide.com 29">
+              <a:extLst>
+                <a:ext uri="{FF2B5EF4-FFF2-40B4-BE49-F238E27FC236}">
+                  <a16:creationId xmlns:a16="http://schemas.microsoft.com/office/drawing/2014/main" id="{74BBE738-6CCF-49FA-A7A7-45BE3C3CEE72}"/>
+                </a:ext>
+              </a:extLst>
+            </p:cNvPr>
+            <p:cNvSpPr>
+              <a:spLocks/>
+            </p:cNvSpPr>
+            <p:nvPr/>
+          </p:nvSpPr>
+          <p:spPr bwMode="auto">
+            <a:xfrm>
+              <a:off x="5651501" y="854075"/>
+              <a:ext cx="166688" cy="52388"/>
+            </a:xfrm>
+            <a:custGeom>
+              <a:avLst/>
+              <a:gdLst/>
+              <a:ahLst/>
+              <a:cxnLst>
+                <a:cxn ang="0">
+                  <a:pos x="59" y="33"/>
+                </a:cxn>
+                <a:cxn ang="0">
+                  <a:pos x="105" y="0"/>
+                </a:cxn>
+                <a:cxn ang="0">
+                  <a:pos x="59" y="11"/>
+                </a:cxn>
+                <a:cxn ang="0">
+                  <a:pos x="47" y="0"/>
+                </a:cxn>
+                <a:cxn ang="0">
+                  <a:pos x="0" y="33"/>
+                </a:cxn>
+                <a:cxn ang="0">
+                  <a:pos x="47" y="22"/>
+                </a:cxn>
+                <a:cxn ang="0">
+                  <a:pos x="59" y="33"/>
+                </a:cxn>
+              </a:cxnLst>
+              <a:rect l="0" t="0" r="r" b="b"/>
+              <a:pathLst>
+                <a:path w="105" h="33">
+                  <a:moveTo>
+                    <a:pt x="59" y="33"/>
+                  </a:moveTo>
+                  <a:lnTo>
+                    <a:pt x="105" y="0"/>
+                  </a:lnTo>
+                  <a:lnTo>
+                    <a:pt x="59" y="11"/>
+                  </a:lnTo>
+                  <a:lnTo>
+                    <a:pt x="47" y="0"/>
+                  </a:lnTo>
+                  <a:lnTo>
+                    <a:pt x="0" y="33"/>
+                  </a:lnTo>
+                  <a:lnTo>
+                    <a:pt x="47" y="22"/>
+                  </a:lnTo>
+                  <a:lnTo>
+                    <a:pt x="59" y="33"/>
+                  </a:lnTo>
+                  <a:close/>
+                </a:path>
+              </a:pathLst>
+            </a:custGeom>
+            <a:grpFill/>
+            <a:ln w="9525">
+              <a:noFill/>
+              <a:round/>
+              <a:headEnd/>
+              <a:tailEnd/>
+            </a:ln>
+          </p:spPr>
+          <p:txBody>
+            <a:bodyPr/>
+            <a:lstStyle/>
+            <a:p>
+              <a:pPr fontAlgn="auto">
+                <a:spcBef>
+                  <a:spcPts val="0"/>
+                </a:spcBef>
+                <a:spcAft>
+                  <a:spcPts val="0"/>
+                </a:spcAft>
+                <a:defRPr/>
+              </a:pPr>
+              <a:endParaRPr lang="en-US" dirty="0">
+                <a:latin typeface="+mn-lt"/>
+                <a:ea typeface="+mn-ea"/>
+              </a:endParaRPr>
+            </a:p>
+          </p:txBody>
+        </p:sp>
+      </p:grpSp>
+      <p:grpSp>
+        <p:nvGrpSpPr>
+          <p:cNvPr id="36" name="9Slide.com 40">
+            <a:extLst>
+              <a:ext uri="{FF2B5EF4-FFF2-40B4-BE49-F238E27FC236}">
+                <a16:creationId xmlns:a16="http://schemas.microsoft.com/office/drawing/2014/main" id="{22A56D95-F21B-4F5F-A87A-3B22B2A200D1}"/>
+              </a:ext>
+            </a:extLst>
+          </p:cNvPr>
+          <p:cNvGrpSpPr>
+            <a:grpSpLocks noChangeAspect="1"/>
+          </p:cNvGrpSpPr>
+          <p:nvPr/>
+        </p:nvGrpSpPr>
+        <p:grpSpPr>
+          <a:xfrm>
+            <a:off x="9619527" y="3346215"/>
+            <a:ext cx="303670" cy="169990"/>
+            <a:chOff x="4427538" y="798513"/>
+            <a:chExt cx="292100" cy="163513"/>
+          </a:xfrm>
+          <a:solidFill>
+            <a:schemeClr val="tx2"/>
+          </a:solidFill>
+        </p:grpSpPr>
+        <p:sp>
+          <p:nvSpPr>
+            <p:cNvPr id="37" name="9Slide.com 41">
+              <a:extLst>
+                <a:ext uri="{FF2B5EF4-FFF2-40B4-BE49-F238E27FC236}">
+                  <a16:creationId xmlns:a16="http://schemas.microsoft.com/office/drawing/2014/main" id="{8DF13D6A-CB57-4F1C-A474-1720D4F02377}"/>
+                </a:ext>
+              </a:extLst>
+            </p:cNvPr>
+            <p:cNvSpPr>
+              <a:spLocks noEditPoints="1"/>
+            </p:cNvSpPr>
+            <p:nvPr/>
+          </p:nvSpPr>
+          <p:spPr bwMode="auto">
+            <a:xfrm>
+              <a:off x="4427538" y="798513"/>
+              <a:ext cx="292100" cy="163513"/>
+            </a:xfrm>
+            <a:custGeom>
+              <a:avLst/>
+              <a:gdLst/>
+              <a:ahLst/>
+              <a:cxnLst>
+                <a:cxn ang="0">
+                  <a:pos x="173" y="35"/>
+                </a:cxn>
+                <a:cxn ang="0">
+                  <a:pos x="173" y="0"/>
+                </a:cxn>
+                <a:cxn ang="0">
+                  <a:pos x="0" y="0"/>
+                </a:cxn>
+                <a:cxn ang="0">
+                  <a:pos x="0" y="103"/>
+                </a:cxn>
+                <a:cxn ang="0">
+                  <a:pos x="173" y="103"/>
+                </a:cxn>
+                <a:cxn ang="0">
+                  <a:pos x="173" y="81"/>
+                </a:cxn>
+                <a:cxn ang="0">
+                  <a:pos x="184" y="81"/>
+                </a:cxn>
+                <a:cxn ang="0">
+                  <a:pos x="184" y="35"/>
+                </a:cxn>
+                <a:cxn ang="0">
+                  <a:pos x="173" y="35"/>
+                </a:cxn>
+                <a:cxn ang="0">
+                  <a:pos x="149" y="81"/>
+                </a:cxn>
+                <a:cxn ang="0">
+                  <a:pos x="22" y="81"/>
+                </a:cxn>
+                <a:cxn ang="0">
+                  <a:pos x="22" y="22"/>
+                </a:cxn>
+                <a:cxn ang="0">
+                  <a:pos x="149" y="22"/>
+                </a:cxn>
+                <a:cxn ang="0">
+                  <a:pos x="149" y="81"/>
+                </a:cxn>
+              </a:cxnLst>
+              <a:rect l="0" t="0" r="r" b="b"/>
+              <a:pathLst>
+                <a:path w="184" h="103">
+                  <a:moveTo>
+                    <a:pt x="173" y="35"/>
+                  </a:moveTo>
+                  <a:lnTo>
+                    <a:pt x="173" y="0"/>
+                  </a:lnTo>
+                  <a:lnTo>
+                    <a:pt x="0" y="0"/>
+                  </a:lnTo>
+                  <a:lnTo>
+                    <a:pt x="0" y="103"/>
+                  </a:lnTo>
+                  <a:lnTo>
+                    <a:pt x="173" y="103"/>
+                  </a:lnTo>
+                  <a:lnTo>
+                    <a:pt x="173" y="81"/>
+                  </a:lnTo>
+                  <a:lnTo>
+                    <a:pt x="184" y="81"/>
+                  </a:lnTo>
+                  <a:lnTo>
+                    <a:pt x="184" y="35"/>
+                  </a:lnTo>
+                  <a:lnTo>
+                    <a:pt x="173" y="35"/>
+                  </a:lnTo>
+                  <a:close/>
+                  <a:moveTo>
+                    <a:pt x="149" y="81"/>
+                  </a:moveTo>
+                  <a:lnTo>
+                    <a:pt x="22" y="81"/>
+                  </a:lnTo>
+                  <a:lnTo>
+                    <a:pt x="22" y="22"/>
+                  </a:lnTo>
+                  <a:lnTo>
+                    <a:pt x="149" y="22"/>
+                  </a:lnTo>
+                  <a:lnTo>
+                    <a:pt x="149" y="81"/>
+                  </a:lnTo>
+                  <a:close/>
+                </a:path>
+              </a:pathLst>
+            </a:custGeom>
+            <a:grpFill/>
+            <a:ln w="9525">
+              <a:noFill/>
+              <a:round/>
+              <a:headEnd/>
+              <a:tailEnd/>
+            </a:ln>
+          </p:spPr>
+          <p:txBody>
+            <a:bodyPr/>
+            <a:lstStyle/>
+            <a:p>
+              <a:pPr fontAlgn="auto">
+                <a:spcBef>
+                  <a:spcPts val="0"/>
+                </a:spcBef>
+                <a:spcAft>
+                  <a:spcPts val="0"/>
+                </a:spcAft>
+                <a:defRPr/>
+              </a:pPr>
+              <a:endParaRPr lang="en-US" dirty="0">
+                <a:latin typeface="+mn-lt"/>
+                <a:ea typeface="+mn-ea"/>
+              </a:endParaRPr>
+            </a:p>
+          </p:txBody>
+        </p:sp>
+        <p:sp>
+          <p:nvSpPr>
+            <p:cNvPr id="38" name="9Slide.com 42">
+              <a:extLst>
+                <a:ext uri="{FF2B5EF4-FFF2-40B4-BE49-F238E27FC236}">
+                  <a16:creationId xmlns:a16="http://schemas.microsoft.com/office/drawing/2014/main" id="{FD2255A6-484A-4905-9EF9-E1A871F70BD2}"/>
+                </a:ext>
+              </a:extLst>
+            </p:cNvPr>
+            <p:cNvSpPr>
+              <a:spLocks/>
+            </p:cNvSpPr>
+            <p:nvPr/>
+          </p:nvSpPr>
+          <p:spPr bwMode="auto">
+            <a:xfrm>
+              <a:off x="4483101" y="854075"/>
+              <a:ext cx="69257" cy="52388"/>
+            </a:xfrm>
+            <a:custGeom>
+              <a:avLst/>
+              <a:gdLst/>
+              <a:ahLst/>
+              <a:cxnLst>
+                <a:cxn ang="0">
+                  <a:pos x="33" y="0"/>
+                </a:cxn>
+                <a:cxn ang="0">
+                  <a:pos x="0" y="0"/>
+                </a:cxn>
+                <a:cxn ang="0">
+                  <a:pos x="0" y="33"/>
+                </a:cxn>
+                <a:cxn ang="0">
+                  <a:pos x="68" y="33"/>
+                </a:cxn>
+                <a:cxn ang="0">
+                  <a:pos x="33" y="0"/>
+                </a:cxn>
+              </a:cxnLst>
+              <a:rect l="0" t="0" r="r" b="b"/>
+              <a:pathLst>
+                <a:path w="68" h="33">
+                  <a:moveTo>
+                    <a:pt x="33" y="0"/>
+                  </a:moveTo>
+                  <a:lnTo>
+                    <a:pt x="0" y="0"/>
+                  </a:lnTo>
+                  <a:lnTo>
+                    <a:pt x="0" y="33"/>
+                  </a:lnTo>
+                  <a:lnTo>
+                    <a:pt x="68" y="33"/>
+                  </a:lnTo>
+                  <a:lnTo>
+                    <a:pt x="33" y="0"/>
+                  </a:lnTo>
+                  <a:close/>
+                </a:path>
+              </a:pathLst>
+            </a:custGeom>
+            <a:grpFill/>
+            <a:ln w="9525">
+              <a:noFill/>
+              <a:round/>
+              <a:headEnd/>
+              <a:tailEnd/>
+            </a:ln>
+          </p:spPr>
+          <p:txBody>
+            <a:bodyPr/>
+            <a:lstStyle/>
+            <a:p>
+              <a:pPr fontAlgn="auto">
+                <a:spcBef>
+                  <a:spcPts val="0"/>
+                </a:spcBef>
+                <a:spcAft>
+                  <a:spcPts val="0"/>
+                </a:spcAft>
+                <a:defRPr/>
+              </a:pPr>
+              <a:endParaRPr lang="en-US" dirty="0">
+                <a:latin typeface="+mn-lt"/>
+                <a:ea typeface="+mn-ea"/>
+              </a:endParaRPr>
+            </a:p>
+          </p:txBody>
+        </p:sp>
+      </p:grpSp>
+      <p:sp>
+        <p:nvSpPr>
+          <p:cNvPr id="39" name="Rectangle 38">
+            <a:extLst>
+              <a:ext uri="{FF2B5EF4-FFF2-40B4-BE49-F238E27FC236}">
+                <a16:creationId xmlns:a16="http://schemas.microsoft.com/office/drawing/2014/main" id="{05AC1BCA-007B-4986-8DC7-1523EBF2DCD4}"/>
+              </a:ext>
+            </a:extLst>
+          </p:cNvPr>
+          <p:cNvSpPr/>
+          <p:nvPr/>
+        </p:nvSpPr>
+        <p:spPr>
+          <a:xfrm>
+            <a:off x="61918" y="387872"/>
+            <a:ext cx="5343259" cy="628955"/>
+          </a:xfrm>
+          <a:prstGeom prst="rect">
+            <a:avLst/>
+          </a:prstGeom>
+        </p:spPr>
+        <p:txBody>
+          <a:bodyPr wrap="none">
             <a:spAutoFit/>
           </a:bodyPr>
           <a:lstStyle/>
@@ -7641,59 +9087,475 @@
               </a:lnSpc>
             </a:pPr>
             <a:r>
-              <a:rPr lang="en-US" sz="4800" b="1" strike="noStrike" spc="-1">
+              <a:rPr lang="en-US" sz="3200" b="1" spc="-1" dirty="0">
                 <a:solidFill>
                   <a:srgbClr val="2F5597"/>
                 </a:solidFill>
                 <a:latin typeface="Roboto"/>
-                <a:ea typeface="Roboto"/>
               </a:rPr>
-              <a:t>THANK YOU</a:t>
+              <a:t>3. </a:t>
             </a:r>
-            <a:endParaRPr lang="en-US" sz="4800" b="0" strike="noStrike" spc="-1">
-              <a:latin typeface="Arial"/>
-            </a:endParaRPr>
-          </a:p>
-        </p:txBody>
-      </p:sp>
-      <p:pic>
-        <p:nvPicPr>
-          <p:cNvPr id="161" name="Picture 3"/>
-          <p:cNvPicPr/>
+            <a:r>
+              <a:rPr lang="en-US" sz="3200" b="1" spc="-1" dirty="0" err="1">
+                <a:solidFill>
+                  <a:srgbClr val="2F5597"/>
+                </a:solidFill>
+                <a:latin typeface="Roboto"/>
+              </a:rPr>
+              <a:t>Định</a:t>
+            </a:r>
+            <a:r>
+              <a:rPr lang="en-US" sz="3200" b="1" spc="-1" dirty="0">
+                <a:solidFill>
+                  <a:srgbClr val="2F5597"/>
+                </a:solidFill>
+                <a:latin typeface="Roboto"/>
+              </a:rPr>
+              <a:t> h</a:t>
+            </a:r>
+            <a:r>
+              <a:rPr lang="vi-VN" sz="3200" b="1" spc="-1" dirty="0">
+                <a:solidFill>
+                  <a:srgbClr val="2F5597"/>
+                </a:solidFill>
+                <a:latin typeface="Roboto"/>
+              </a:rPr>
+              <a:t>ư</a:t>
+            </a:r>
+            <a:r>
+              <a:rPr lang="en-US" sz="3200" b="1" spc="-1" dirty="0" err="1">
+                <a:solidFill>
+                  <a:srgbClr val="2F5597"/>
+                </a:solidFill>
+                <a:latin typeface="Roboto"/>
+              </a:rPr>
+              <a:t>ớng</a:t>
+            </a:r>
+            <a:r>
+              <a:rPr lang="en-US" sz="3200" b="1" spc="-1" dirty="0">
+                <a:solidFill>
+                  <a:srgbClr val="2F5597"/>
+                </a:solidFill>
+                <a:latin typeface="Roboto"/>
+              </a:rPr>
+              <a:t> </a:t>
+            </a:r>
+            <a:r>
+              <a:rPr lang="en-US" sz="3200" b="1" spc="-1" dirty="0" err="1">
+                <a:solidFill>
+                  <a:srgbClr val="2F5597"/>
+                </a:solidFill>
+                <a:latin typeface="Roboto"/>
+              </a:rPr>
+              <a:t>nghiên</a:t>
+            </a:r>
+            <a:r>
+              <a:rPr lang="en-US" sz="3200" b="1" spc="-1" dirty="0">
+                <a:solidFill>
+                  <a:srgbClr val="2F5597"/>
+                </a:solidFill>
+                <a:latin typeface="Roboto"/>
+              </a:rPr>
+              <a:t> </a:t>
+            </a:r>
+            <a:r>
+              <a:rPr lang="en-US" sz="3200" b="1" spc="-1" dirty="0" err="1">
+                <a:solidFill>
+                  <a:srgbClr val="2F5597"/>
+                </a:solidFill>
+                <a:latin typeface="Roboto"/>
+              </a:rPr>
+              <a:t>cứu</a:t>
+            </a:r>
+            <a:endParaRPr lang="en-US" sz="3200" b="1" spc="-1" dirty="0">
+              <a:solidFill>
+                <a:srgbClr val="2F5597"/>
+              </a:solidFill>
+              <a:latin typeface="Roboto"/>
+            </a:endParaRPr>
+          </a:p>
+        </p:txBody>
+      </p:sp>
+      <p:sp>
+        <p:nvSpPr>
+          <p:cNvPr id="40" name="9Slide.com 10">
+            <a:extLst>
+              <a:ext uri="{FF2B5EF4-FFF2-40B4-BE49-F238E27FC236}">
+                <a16:creationId xmlns:a16="http://schemas.microsoft.com/office/drawing/2014/main" id="{FDFAC2FC-FA4C-4E3A-ACE9-E79EECA890B3}"/>
+              </a:ext>
+            </a:extLst>
+          </p:cNvPr>
+          <p:cNvSpPr txBox="1"/>
           <p:nvPr/>
-        </p:nvPicPr>
-        <p:blipFill>
-          <a:blip r:embed="rId2"/>
-          <a:stretch/>
-        </p:blipFill>
-        <p:spPr>
-          <a:xfrm>
-            <a:off x="6528600" y="952200"/>
-            <a:ext cx="4683960" cy="4683960"/>
-          </a:xfrm>
-          <a:prstGeom prst="rect">
-            <a:avLst/>
-          </a:prstGeom>
-          <a:ln>
-            <a:noFill/>
-          </a:ln>
-        </p:spPr>
-      </p:pic>
+        </p:nvSpPr>
+        <p:spPr>
+          <a:xfrm flipH="1">
+            <a:off x="5016810" y="2045246"/>
+            <a:ext cx="1947186" cy="779701"/>
+          </a:xfrm>
+          <a:prstGeom prst="rect">
+            <a:avLst/>
+          </a:prstGeom>
+          <a:noFill/>
+        </p:spPr>
+        <p:txBody>
+          <a:bodyPr wrap="square" lIns="0" tIns="0" rIns="0" bIns="0" rtlCol="0" anchor="ctr">
+            <a:spAutoFit/>
+          </a:bodyPr>
+          <a:lstStyle/>
+          <a:p>
+            <a:pPr algn="ctr">
+              <a:lnSpc>
+                <a:spcPct val="150000"/>
+              </a:lnSpc>
+            </a:pPr>
+            <a:r>
+              <a:rPr lang="en-US" dirty="0" err="1">
+                <a:solidFill>
+                  <a:schemeClr val="tx2"/>
+                </a:solidFill>
+                <a:latin typeface="+mj-lt"/>
+                <a:ea typeface="Roboto Medium" panose="02000000000000000000" pitchFamily="2" charset="0"/>
+                <a:cs typeface="Open Sans SemiBold" panose="020B0606030504020204" pitchFamily="34" charset="0"/>
+              </a:rPr>
+              <a:t>Nghiên</a:t>
+            </a:r>
+            <a:r>
+              <a:rPr lang="en-US" dirty="0">
+                <a:solidFill>
+                  <a:schemeClr val="tx2"/>
+                </a:solidFill>
+                <a:latin typeface="+mj-lt"/>
+                <a:ea typeface="Roboto Medium" panose="02000000000000000000" pitchFamily="2" charset="0"/>
+                <a:cs typeface="Open Sans SemiBold" panose="020B0606030504020204" pitchFamily="34" charset="0"/>
+              </a:rPr>
+              <a:t> </a:t>
+            </a:r>
+            <a:r>
+              <a:rPr lang="en-US" dirty="0" err="1">
+                <a:solidFill>
+                  <a:schemeClr val="tx2"/>
+                </a:solidFill>
+                <a:latin typeface="+mj-lt"/>
+                <a:ea typeface="Roboto Medium" panose="02000000000000000000" pitchFamily="2" charset="0"/>
+                <a:cs typeface="Open Sans SemiBold" panose="020B0606030504020204" pitchFamily="34" charset="0"/>
+              </a:rPr>
+              <a:t>cứu</a:t>
+            </a:r>
+            <a:r>
+              <a:rPr lang="en-US" dirty="0">
+                <a:solidFill>
+                  <a:schemeClr val="tx2"/>
+                </a:solidFill>
+                <a:latin typeface="+mj-lt"/>
+                <a:ea typeface="Roboto Medium" panose="02000000000000000000" pitchFamily="2" charset="0"/>
+                <a:cs typeface="Open Sans SemiBold" panose="020B0606030504020204" pitchFamily="34" charset="0"/>
+              </a:rPr>
+              <a:t> chi </a:t>
+            </a:r>
+            <a:r>
+              <a:rPr lang="en-US" dirty="0" err="1">
+                <a:solidFill>
+                  <a:schemeClr val="tx2"/>
+                </a:solidFill>
+                <a:latin typeface="+mj-lt"/>
+                <a:ea typeface="Roboto Medium" panose="02000000000000000000" pitchFamily="2" charset="0"/>
+                <a:cs typeface="Open Sans SemiBold" panose="020B0606030504020204" pitchFamily="34" charset="0"/>
+              </a:rPr>
+              <a:t>tiết</a:t>
+            </a:r>
+            <a:endParaRPr lang="en-US" dirty="0">
+              <a:solidFill>
+                <a:schemeClr val="tx2"/>
+              </a:solidFill>
+              <a:latin typeface="+mj-lt"/>
+              <a:ea typeface="Roboto Medium" panose="02000000000000000000" pitchFamily="2" charset="0"/>
+              <a:cs typeface="Open Sans SemiBold" panose="020B0606030504020204" pitchFamily="34" charset="0"/>
+            </a:endParaRPr>
+          </a:p>
+          <a:p>
+            <a:pPr algn="ctr">
+              <a:lnSpc>
+                <a:spcPct val="150000"/>
+              </a:lnSpc>
+            </a:pPr>
+            <a:r>
+              <a:rPr lang="en-US" dirty="0">
+                <a:solidFill>
+                  <a:schemeClr val="tx2"/>
+                </a:solidFill>
+                <a:latin typeface="+mj-lt"/>
+                <a:ea typeface="Roboto Medium" panose="02000000000000000000" pitchFamily="2" charset="0"/>
+                <a:cs typeface="Open Sans SemiBold" panose="020B0606030504020204" pitchFamily="34" charset="0"/>
+              </a:rPr>
+              <a:t>Đ</a:t>
+            </a:r>
+            <a:r>
+              <a:rPr lang="vi-VN" dirty="0">
+                <a:solidFill>
+                  <a:schemeClr val="tx2"/>
+                </a:solidFill>
+                <a:latin typeface="+mj-lt"/>
+                <a:ea typeface="Roboto Medium" panose="02000000000000000000" pitchFamily="2" charset="0"/>
+                <a:cs typeface="Open Sans SemiBold" panose="020B0606030504020204" pitchFamily="34" charset="0"/>
+              </a:rPr>
+              <a:t>ư</a:t>
+            </a:r>
+            <a:r>
+              <a:rPr lang="en-US" dirty="0">
+                <a:solidFill>
+                  <a:schemeClr val="tx2"/>
+                </a:solidFill>
+                <a:latin typeface="+mj-lt"/>
+                <a:ea typeface="Roboto Medium" panose="02000000000000000000" pitchFamily="2" charset="0"/>
+                <a:cs typeface="Open Sans SemiBold" panose="020B0606030504020204" pitchFamily="34" charset="0"/>
+              </a:rPr>
+              <a:t>a ra </a:t>
+            </a:r>
+            <a:r>
+              <a:rPr lang="en-US" dirty="0" err="1">
+                <a:solidFill>
+                  <a:schemeClr val="tx2"/>
+                </a:solidFill>
+                <a:latin typeface="+mj-lt"/>
+                <a:ea typeface="Roboto Medium" panose="02000000000000000000" pitchFamily="2" charset="0"/>
+                <a:cs typeface="Open Sans SemiBold" panose="020B0606030504020204" pitchFamily="34" charset="0"/>
+              </a:rPr>
+              <a:t>giải</a:t>
+            </a:r>
+            <a:r>
+              <a:rPr lang="en-US" dirty="0">
+                <a:solidFill>
+                  <a:schemeClr val="tx2"/>
+                </a:solidFill>
+                <a:latin typeface="+mj-lt"/>
+                <a:ea typeface="Roboto Medium" panose="02000000000000000000" pitchFamily="2" charset="0"/>
+                <a:cs typeface="Open Sans SemiBold" panose="020B0606030504020204" pitchFamily="34" charset="0"/>
+              </a:rPr>
+              <a:t> </a:t>
+            </a:r>
+            <a:r>
+              <a:rPr lang="en-US" dirty="0" err="1">
+                <a:solidFill>
+                  <a:schemeClr val="tx2"/>
+                </a:solidFill>
+                <a:latin typeface="+mj-lt"/>
+                <a:ea typeface="Roboto Medium" panose="02000000000000000000" pitchFamily="2" charset="0"/>
+                <a:cs typeface="Open Sans SemiBold" panose="020B0606030504020204" pitchFamily="34" charset="0"/>
+              </a:rPr>
+              <a:t>pháp</a:t>
+            </a:r>
+            <a:endParaRPr lang="en-US" dirty="0">
+              <a:solidFill>
+                <a:schemeClr val="tx2"/>
+              </a:solidFill>
+              <a:latin typeface="+mj-lt"/>
+              <a:ea typeface="Roboto Medium" panose="02000000000000000000" pitchFamily="2" charset="0"/>
+              <a:cs typeface="Open Sans SemiBold" panose="020B0606030504020204" pitchFamily="34" charset="0"/>
+            </a:endParaRPr>
+          </a:p>
+        </p:txBody>
+      </p:sp>
+      <p:sp>
+        <p:nvSpPr>
+          <p:cNvPr id="41" name="9Slide.com 10">
+            <a:extLst>
+              <a:ext uri="{FF2B5EF4-FFF2-40B4-BE49-F238E27FC236}">
+                <a16:creationId xmlns:a16="http://schemas.microsoft.com/office/drawing/2014/main" id="{EE55C116-CEC7-49C9-B576-207709FE6A50}"/>
+              </a:ext>
+            </a:extLst>
+          </p:cNvPr>
+          <p:cNvSpPr txBox="1"/>
+          <p:nvPr/>
+        </p:nvSpPr>
+        <p:spPr>
+          <a:xfrm flipH="1">
+            <a:off x="8739698" y="4304967"/>
+            <a:ext cx="1947186" cy="779701"/>
+          </a:xfrm>
+          <a:prstGeom prst="rect">
+            <a:avLst/>
+          </a:prstGeom>
+          <a:noFill/>
+        </p:spPr>
+        <p:txBody>
+          <a:bodyPr wrap="square" lIns="0" tIns="0" rIns="0" bIns="0" rtlCol="0" anchor="ctr">
+            <a:spAutoFit/>
+          </a:bodyPr>
+          <a:lstStyle/>
+          <a:p>
+            <a:pPr algn="ctr">
+              <a:lnSpc>
+                <a:spcPct val="150000"/>
+              </a:lnSpc>
+            </a:pPr>
+            <a:r>
+              <a:rPr lang="en-US" dirty="0" err="1">
+                <a:solidFill>
+                  <a:schemeClr val="tx2"/>
+                </a:solidFill>
+                <a:latin typeface="+mj-lt"/>
+                <a:ea typeface="Roboto Medium" panose="02000000000000000000" pitchFamily="2" charset="0"/>
+                <a:cs typeface="Open Sans SemiBold" panose="020B0606030504020204" pitchFamily="34" charset="0"/>
+              </a:rPr>
+              <a:t>Triển</a:t>
+            </a:r>
+            <a:r>
+              <a:rPr lang="en-US" dirty="0">
+                <a:solidFill>
+                  <a:schemeClr val="tx2"/>
+                </a:solidFill>
+                <a:latin typeface="+mj-lt"/>
+                <a:ea typeface="Roboto Medium" panose="02000000000000000000" pitchFamily="2" charset="0"/>
+                <a:cs typeface="Open Sans SemiBold" panose="020B0606030504020204" pitchFamily="34" charset="0"/>
+              </a:rPr>
+              <a:t> </a:t>
+            </a:r>
+            <a:r>
+              <a:rPr lang="en-US" dirty="0" err="1">
+                <a:solidFill>
+                  <a:schemeClr val="tx2"/>
+                </a:solidFill>
+                <a:latin typeface="+mj-lt"/>
+                <a:ea typeface="Roboto Medium" panose="02000000000000000000" pitchFamily="2" charset="0"/>
+                <a:cs typeface="Open Sans SemiBold" panose="020B0606030504020204" pitchFamily="34" charset="0"/>
+              </a:rPr>
+              <a:t>khai</a:t>
+            </a:r>
+            <a:r>
+              <a:rPr lang="en-US" dirty="0">
+                <a:solidFill>
+                  <a:schemeClr val="tx2"/>
+                </a:solidFill>
+                <a:latin typeface="+mj-lt"/>
+                <a:ea typeface="Roboto Medium" panose="02000000000000000000" pitchFamily="2" charset="0"/>
+                <a:cs typeface="Open Sans SemiBold" panose="020B0606030504020204" pitchFamily="34" charset="0"/>
+              </a:rPr>
+              <a:t> </a:t>
+            </a:r>
+            <a:r>
+              <a:rPr lang="en-US" dirty="0" err="1">
+                <a:solidFill>
+                  <a:schemeClr val="tx2"/>
+                </a:solidFill>
+                <a:latin typeface="+mj-lt"/>
+                <a:ea typeface="Roboto Medium" panose="02000000000000000000" pitchFamily="2" charset="0"/>
+                <a:cs typeface="Open Sans SemiBold" panose="020B0606030504020204" pitchFamily="34" charset="0"/>
+              </a:rPr>
+              <a:t>mô</a:t>
+            </a:r>
+            <a:r>
+              <a:rPr lang="en-US" dirty="0">
+                <a:solidFill>
+                  <a:schemeClr val="tx2"/>
+                </a:solidFill>
+                <a:latin typeface="+mj-lt"/>
+                <a:ea typeface="Roboto Medium" panose="02000000000000000000" pitchFamily="2" charset="0"/>
+                <a:cs typeface="Open Sans SemiBold" panose="020B0606030504020204" pitchFamily="34" charset="0"/>
+              </a:rPr>
+              <a:t> </a:t>
+            </a:r>
+            <a:r>
+              <a:rPr lang="en-US" dirty="0" err="1">
+                <a:solidFill>
+                  <a:schemeClr val="tx2"/>
+                </a:solidFill>
+                <a:latin typeface="+mj-lt"/>
+                <a:ea typeface="Roboto Medium" panose="02000000000000000000" pitchFamily="2" charset="0"/>
+                <a:cs typeface="Open Sans SemiBold" panose="020B0606030504020204" pitchFamily="34" charset="0"/>
+              </a:rPr>
+              <a:t>hình</a:t>
+            </a:r>
+            <a:r>
+              <a:rPr lang="en-US" dirty="0">
+                <a:solidFill>
+                  <a:schemeClr val="tx2"/>
+                </a:solidFill>
+                <a:latin typeface="+mj-lt"/>
+                <a:ea typeface="Roboto Medium" panose="02000000000000000000" pitchFamily="2" charset="0"/>
+                <a:cs typeface="Open Sans SemiBold" panose="020B0606030504020204" pitchFamily="34" charset="0"/>
+              </a:rPr>
+              <a:t> </a:t>
+            </a:r>
+            <a:r>
+              <a:rPr lang="en-US" dirty="0" err="1">
+                <a:solidFill>
+                  <a:schemeClr val="tx2"/>
+                </a:solidFill>
+                <a:latin typeface="+mj-lt"/>
+                <a:ea typeface="Roboto Medium" panose="02000000000000000000" pitchFamily="2" charset="0"/>
+                <a:cs typeface="Open Sans SemiBold" panose="020B0606030504020204" pitchFamily="34" charset="0"/>
+              </a:rPr>
+              <a:t>cho</a:t>
+            </a:r>
+            <a:r>
+              <a:rPr lang="en-US" dirty="0">
+                <a:solidFill>
+                  <a:schemeClr val="tx2"/>
+                </a:solidFill>
+                <a:latin typeface="+mj-lt"/>
+                <a:ea typeface="Roboto Medium" panose="02000000000000000000" pitchFamily="2" charset="0"/>
+                <a:cs typeface="Open Sans SemiBold" panose="020B0606030504020204" pitchFamily="34" charset="0"/>
+              </a:rPr>
+              <a:t> </a:t>
+            </a:r>
+            <a:r>
+              <a:rPr lang="en-US" dirty="0" err="1">
+                <a:solidFill>
+                  <a:schemeClr val="tx2"/>
+                </a:solidFill>
+                <a:latin typeface="+mj-lt"/>
+                <a:ea typeface="Roboto Medium" panose="02000000000000000000" pitchFamily="2" charset="0"/>
+                <a:cs typeface="Open Sans SemiBold" panose="020B0606030504020204" pitchFamily="34" charset="0"/>
+              </a:rPr>
+              <a:t>dự</a:t>
+            </a:r>
+            <a:r>
+              <a:rPr lang="en-US" dirty="0">
+                <a:solidFill>
+                  <a:schemeClr val="tx2"/>
+                </a:solidFill>
+                <a:latin typeface="+mj-lt"/>
+                <a:ea typeface="Roboto Medium" panose="02000000000000000000" pitchFamily="2" charset="0"/>
+                <a:cs typeface="Open Sans SemiBold" panose="020B0606030504020204" pitchFamily="34" charset="0"/>
+              </a:rPr>
+              <a:t> </a:t>
+            </a:r>
+            <a:r>
+              <a:rPr lang="en-US" dirty="0" err="1">
+                <a:solidFill>
+                  <a:schemeClr val="tx2"/>
+                </a:solidFill>
+                <a:latin typeface="+mj-lt"/>
+                <a:ea typeface="Roboto Medium" panose="02000000000000000000" pitchFamily="2" charset="0"/>
+                <a:cs typeface="Open Sans SemiBold" panose="020B0606030504020204" pitchFamily="34" charset="0"/>
+              </a:rPr>
+              <a:t>án</a:t>
+            </a:r>
+            <a:r>
+              <a:rPr lang="en-US" dirty="0">
+                <a:solidFill>
+                  <a:schemeClr val="tx2"/>
+                </a:solidFill>
+                <a:latin typeface="+mj-lt"/>
+                <a:ea typeface="Roboto Medium" panose="02000000000000000000" pitchFamily="2" charset="0"/>
+                <a:cs typeface="Open Sans SemiBold" panose="020B0606030504020204" pitchFamily="34" charset="0"/>
+              </a:rPr>
+              <a:t> CRM</a:t>
+            </a:r>
+          </a:p>
+        </p:txBody>
+      </p:sp>
     </p:spTree>
+    <p:extLst>
+      <p:ext uri="{BB962C8B-B14F-4D97-AF65-F5344CB8AC3E}">
+        <p14:creationId xmlns:p14="http://schemas.microsoft.com/office/powerpoint/2010/main" val="3011274881"/>
+      </p:ext>
+    </p:extLst>
   </p:cSld>
   <p:clrMapOvr>
     <a:masterClrMapping/>
   </p:clrMapOvr>
-  <p:transition>
-    <p:fade thruBlk="1"/>
-  </p:transition>
-  <p:timing>
-    <p:tnLst>
-      <p:par>
-        <p:cTn id="1" dur="indefinite" restart="never" nodeType="tmRoot"/>
-      </p:par>
-    </p:tnLst>
-  </p:timing>
 </p:sld>
 </file>
 
@@ -7716,6 +9578,115 @@
       </p:grpSpPr>
       <p:sp>
         <p:nvSpPr>
+          <p:cNvPr id="160" name="CustomShape 1"/>
+          <p:cNvSpPr/>
+          <p:nvPr/>
+        </p:nvSpPr>
+        <p:spPr>
+          <a:xfrm>
+            <a:off x="2043360" y="2697840"/>
+            <a:ext cx="3523320" cy="966960"/>
+          </a:xfrm>
+          <a:prstGeom prst="rect">
+            <a:avLst/>
+          </a:prstGeom>
+          <a:noFill/>
+          <a:ln>
+            <a:noFill/>
+          </a:ln>
+        </p:spPr>
+        <p:style>
+          <a:lnRef idx="0">
+            <a:scrgbClr r="0" g="0" b="0"/>
+          </a:lnRef>
+          <a:fillRef idx="0">
+            <a:scrgbClr r="0" g="0" b="0"/>
+          </a:fillRef>
+          <a:effectRef idx="0">
+            <a:scrgbClr r="0" g="0" b="0"/>
+          </a:effectRef>
+          <a:fontRef idx="minor"/>
+        </p:style>
+        <p:txBody>
+          <a:bodyPr wrap="none" lIns="90000" tIns="45000" rIns="90000" bIns="45000">
+            <a:spAutoFit/>
+          </a:bodyPr>
+          <a:lstStyle/>
+          <a:p>
+            <a:pPr algn="ctr">
+              <a:lnSpc>
+                <a:spcPct val="120000"/>
+              </a:lnSpc>
+            </a:pPr>
+            <a:r>
+              <a:rPr lang="en-US" sz="4800" b="1" strike="noStrike" spc="-1">
+                <a:solidFill>
+                  <a:srgbClr val="2F5597"/>
+                </a:solidFill>
+                <a:latin typeface="Roboto"/>
+                <a:ea typeface="Roboto"/>
+              </a:rPr>
+              <a:t>THANK YOU</a:t>
+            </a:r>
+            <a:endParaRPr lang="en-US" sz="4800" b="0" strike="noStrike" spc="-1">
+              <a:latin typeface="Arial"/>
+            </a:endParaRPr>
+          </a:p>
+        </p:txBody>
+      </p:sp>
+      <p:pic>
+        <p:nvPicPr>
+          <p:cNvPr id="161" name="Picture 3"/>
+          <p:cNvPicPr/>
+          <p:nvPr/>
+        </p:nvPicPr>
+        <p:blipFill>
+          <a:blip r:embed="rId2"/>
+          <a:stretch/>
+        </p:blipFill>
+        <p:spPr>
+          <a:xfrm>
+            <a:off x="6528600" y="952200"/>
+            <a:ext cx="4683960" cy="4683960"/>
+          </a:xfrm>
+          <a:prstGeom prst="rect">
+            <a:avLst/>
+          </a:prstGeom>
+          <a:ln>
+            <a:noFill/>
+          </a:ln>
+        </p:spPr>
+      </p:pic>
+    </p:spTree>
+  </p:cSld>
+  <p:clrMapOvr>
+    <a:masterClrMapping/>
+  </p:clrMapOvr>
+  <p:transition>
+    <p:fade thruBlk="1"/>
+  </p:transition>
+</p:sld>
+</file>
+
+<file path=ppt/slides/slide16.xml><?xml version="1.0" encoding="utf-8"?>
+<p:sld xmlns:a="http://schemas.openxmlformats.org/drawingml/2006/main" xmlns:r="http://schemas.openxmlformats.org/officeDocument/2006/relationships" xmlns:p="http://schemas.openxmlformats.org/presentationml/2006/main">
+  <p:cSld>
+    <p:spTree>
+      <p:nvGrpSpPr>
+        <p:cNvPr id="1" name=""/>
+        <p:cNvGrpSpPr/>
+        <p:nvPr/>
+      </p:nvGrpSpPr>
+      <p:grpSpPr>
+        <a:xfrm>
+          <a:off x="0" y="0"/>
+          <a:ext cx="0" cy="0"/>
+          <a:chOff x="0" y="0"/>
+          <a:chExt cx="0" cy="0"/>
+        </a:xfrm>
+      </p:grpSpPr>
+      <p:sp>
+        <p:nvSpPr>
           <p:cNvPr id="3" name="TextBox 2"/>
           <p:cNvSpPr txBox="1"/>
           <p:nvPr/>
@@ -7761,7 +9732,7 @@
           <a:p>
             <a:pPr algn="ctr"/>
             <a:r>
-              <a:rPr lang="en-US" sz="4400" dirty="0" smtClean="0">
+              <a:rPr lang="en-US" sz="4400" dirty="0">
                 <a:solidFill>
                   <a:schemeClr val="bg1"/>
                 </a:solidFill>
@@ -7769,12 +9740,6 @@
               </a:rPr>
               <a:t>Q &amp; A</a:t>
             </a:r>
-            <a:endParaRPr lang="en-US" sz="4400" dirty="0">
-              <a:solidFill>
-                <a:schemeClr val="bg1"/>
-              </a:solidFill>
-              <a:latin typeface="Roboto"/>
-            </a:endParaRPr>
           </a:p>
         </p:txBody>
       </p:sp>
@@ -7791,13 +9756,6 @@
   <p:transition>
     <p:fade thruBlk="1"/>
   </p:transition>
-  <p:timing>
-    <p:tnLst>
-      <p:par>
-        <p:cTn id="1" dur="indefinite" restart="never" nodeType="tmRoot"/>
-      </p:par>
-    </p:tnLst>
-  </p:timing>
 </p:sld>
 </file>
 
@@ -7861,7 +9819,7 @@
               </a:lnSpc>
             </a:pPr>
             <a:r>
-              <a:rPr lang="en-US" sz="3600" b="1" strike="noStrike" spc="-1" dirty="0" smtClean="0">
+              <a:rPr lang="en-US" sz="3600" b="1" strike="noStrike" spc="-1" dirty="0">
                 <a:solidFill>
                   <a:srgbClr val="FFFFFF"/>
                 </a:solidFill>
@@ -7879,7 +9837,7 @@
               </a:lnSpc>
             </a:pPr>
             <a:r>
-              <a:rPr lang="en-US" sz="6600" b="1" strike="noStrike" spc="-1" dirty="0" smtClean="0">
+              <a:rPr lang="en-US" sz="6600" b="1" strike="noStrike" spc="-1" dirty="0">
                 <a:solidFill>
                   <a:srgbClr val="FFFFFF"/>
                 </a:solidFill>
@@ -7889,14 +9847,6 @@
               </a:rPr>
               <a:t>40 </a:t>
             </a:r>
-            <a:endParaRPr lang="en-US" sz="6600" b="1" strike="noStrike" spc="-1" dirty="0" smtClean="0">
-              <a:solidFill>
-                <a:srgbClr val="FFFFFF"/>
-              </a:solidFill>
-              <a:latin typeface="Roboto" panose="02000000000000000000" pitchFamily="2" charset="0"/>
-              <a:ea typeface="Roboto" panose="02000000000000000000" pitchFamily="2" charset="0"/>
-              <a:cs typeface="Roboto" panose="02000000000000000000" pitchFamily="2" charset="0"/>
-            </a:endParaRPr>
           </a:p>
           <a:p>
             <a:pPr algn="ctr">
@@ -7905,7 +9855,7 @@
               </a:lnSpc>
             </a:pPr>
             <a:r>
-              <a:rPr lang="en-US" sz="3600" b="1" strike="noStrike" spc="-1" dirty="0" smtClean="0">
+              <a:rPr lang="en-US" sz="3600" b="1" strike="noStrike" spc="-1" dirty="0">
                 <a:solidFill>
                   <a:srgbClr val="FFFFFF"/>
                 </a:solidFill>
@@ -7913,18 +9863,7 @@
                 <a:ea typeface="Roboto" panose="02000000000000000000" pitchFamily="2" charset="0"/>
                 <a:cs typeface="Roboto" panose="02000000000000000000" pitchFamily="2" charset="0"/>
               </a:rPr>
-              <a:t>SẢN </a:t>
-            </a:r>
-            <a:r>
-              <a:rPr lang="en-US" sz="3600" b="1" strike="noStrike" spc="-1" dirty="0" smtClean="0">
-                <a:solidFill>
-                  <a:srgbClr val="FFFFFF"/>
-                </a:solidFill>
-                <a:latin typeface="Roboto" panose="02000000000000000000" pitchFamily="2" charset="0"/>
-                <a:ea typeface="Roboto" panose="02000000000000000000" pitchFamily="2" charset="0"/>
-                <a:cs typeface="Roboto" panose="02000000000000000000" pitchFamily="2" charset="0"/>
-              </a:rPr>
-              <a:t>PHẨM</a:t>
+              <a:t>SẢN PHẨM</a:t>
             </a:r>
             <a:endParaRPr lang="en-US" sz="3600" b="0" strike="noStrike" spc="-1" dirty="0">
               <a:latin typeface="Roboto" panose="02000000000000000000" pitchFamily="2" charset="0"/>
@@ -7970,13 +9909,6 @@
   <p:transition>
     <p:fade thruBlk="1"/>
   </p:transition>
-  <p:timing>
-    <p:tnLst>
-      <p:par>
-        <p:cTn id="1" dur="indefinite" restart="never" nodeType="tmRoot"/>
-      </p:par>
-    </p:tnLst>
-  </p:timing>
 </p:sld>
 </file>
 
@@ -8049,10 +9981,6 @@
               </a:rPr>
               <a:t>NGHIÊN CỨU GIẢI PHÁP ĐỒNG BỘ DỮ LIỆU PHỤC VỤ</a:t>
             </a:r>
-            <a:r>
-              <a:rPr dirty="0"/>
-              <a:t/>
-            </a:r>
             <a:br>
               <a:rPr dirty="0"/>
             </a:br>
@@ -8141,13 +10069,6 @@
   <p:transition>
     <p:fade thruBlk="1"/>
   </p:transition>
-  <p:timing>
-    <p:tnLst>
-      <p:par>
-        <p:cTn id="1" dur="indefinite" restart="never" nodeType="tmRoot"/>
-      </p:par>
-    </p:tnLst>
-  </p:timing>
 </p:sld>
 </file>
 
@@ -8309,26 +10230,13 @@
             <a:lstStyle/>
             <a:p>
               <a:r>
-                <a:rPr lang="en-US" sz="2000" dirty="0" smtClean="0">
+                <a:rPr lang="en-US" sz="2000" dirty="0">
                   <a:latin typeface="Roboto" panose="02000000000000000000" pitchFamily="2" charset="0"/>
                   <a:ea typeface="Roboto" panose="02000000000000000000" pitchFamily="2" charset="0"/>
                   <a:cs typeface="Roboto" panose="02000000000000000000" pitchFamily="2" charset="0"/>
                 </a:rPr>
-                <a:t>NÊU </a:t>
+                <a:t>NÊU VẤN ĐỀ</a:t>
               </a:r>
-              <a:r>
-                <a:rPr lang="en-US" sz="2000" dirty="0" smtClean="0">
-                  <a:latin typeface="Roboto" panose="02000000000000000000" pitchFamily="2" charset="0"/>
-                  <a:ea typeface="Roboto" panose="02000000000000000000" pitchFamily="2" charset="0"/>
-                  <a:cs typeface="Roboto" panose="02000000000000000000" pitchFamily="2" charset="0"/>
-                </a:rPr>
-                <a:t>VẤN ĐỀ</a:t>
-              </a:r>
-              <a:endParaRPr lang="en-US" sz="2000" dirty="0">
-                <a:latin typeface="Roboto" panose="02000000000000000000" pitchFamily="2" charset="0"/>
-                <a:ea typeface="Roboto" panose="02000000000000000000" pitchFamily="2" charset="0"/>
-                <a:cs typeface="Roboto" panose="02000000000000000000" pitchFamily="2" charset="0"/>
-              </a:endParaRPr>
             </a:p>
           </p:txBody>
         </p:sp>
@@ -8379,13 +10287,13 @@
             <a:p>
               <a:pPr algn="ctr"/>
               <a:r>
-                <a:rPr lang="en-US" sz="2400" b="1" dirty="0" smtClean="0">
+                <a:rPr lang="en-US" sz="2400" b="1" dirty="0">
                   <a:latin typeface="Roboto Condensed" pitchFamily="2" charset="0"/>
                   <a:ea typeface="Roboto Condensed" pitchFamily="2" charset="0"/>
                 </a:rPr>
                 <a:t>1</a:t>
               </a:r>
-              <a:endParaRPr lang="en-US" sz="1600" b="1" dirty="0" smtClean="0">
+              <a:endParaRPr lang="en-US" sz="1600" b="1" dirty="0">
                 <a:latin typeface="Roboto Condensed" pitchFamily="2" charset="0"/>
                 <a:ea typeface="Roboto Condensed" pitchFamily="2" charset="0"/>
               </a:endParaRPr>
@@ -8453,20 +10361,12 @@
             <a:lstStyle/>
             <a:p>
               <a:r>
-                <a:rPr lang="en-US" dirty="0" smtClean="0">
-                  <a:latin typeface="Roboto" panose="02000000000000000000" pitchFamily="2" charset="0"/>
-                  <a:ea typeface="Roboto" panose="02000000000000000000" pitchFamily="2" charset="0"/>
-                  <a:cs typeface="Roboto" panose="02000000000000000000" pitchFamily="2" charset="0"/>
-                </a:rPr>
-                <a:t>GIẢI PHÁP ĐỒNG </a:t>
-              </a:r>
-              <a:r>
                 <a:rPr lang="en-US" dirty="0">
                   <a:latin typeface="Roboto" panose="02000000000000000000" pitchFamily="2" charset="0"/>
                   <a:ea typeface="Roboto" panose="02000000000000000000" pitchFamily="2" charset="0"/>
                   <a:cs typeface="Roboto" panose="02000000000000000000" pitchFamily="2" charset="0"/>
                 </a:rPr>
-                <a:t>BỘ DỮ LIỆU REAL-TIME GIỮA CSDL GỐC VÀ CSDL TÌM KIẾM</a:t>
+                <a:t>GIẢI PHÁP ĐỒNG BỘ DỮ LIỆU REAL-TIME GIỮA CSDL GỐC VÀ CSDL TÌM KIẾM</a:t>
               </a:r>
             </a:p>
           </p:txBody>
@@ -8524,10 +10424,6 @@
                 </a:rPr>
                 <a:t>2</a:t>
               </a:r>
-              <a:endParaRPr lang="en-US" sz="2400" b="1" dirty="0" smtClean="0">
-                <a:latin typeface="Roboto Condensed" pitchFamily="2" charset="0"/>
-                <a:ea typeface="Roboto Condensed" pitchFamily="2" charset="0"/>
-              </a:endParaRPr>
             </a:p>
           </p:txBody>
         </p:sp>
@@ -8655,10 +10551,6 @@
                 </a:rPr>
                 <a:t>3</a:t>
               </a:r>
-              <a:endParaRPr lang="en-US" sz="2400" b="1" dirty="0" smtClean="0">
-                <a:latin typeface="Roboto Condensed" pitchFamily="2" charset="0"/>
-                <a:ea typeface="Roboto Condensed" pitchFamily="2" charset="0"/>
-              </a:endParaRPr>
             </a:p>
           </p:txBody>
         </p:sp>
@@ -8671,13 +10563,6 @@
   <p:transition>
     <p:fade thruBlk="1"/>
   </p:transition>
-  <p:timing>
-    <p:tnLst>
-      <p:par>
-        <p:cTn id="1" dur="indefinite" restart="never" nodeType="tmRoot"/>
-      </p:par>
-    </p:tnLst>
-  </p:timing>
 </p:sld>
 </file>
 
@@ -8741,7 +10626,7 @@
               </a:lnSpc>
             </a:pPr>
             <a:r>
-              <a:rPr lang="en-US" sz="4800" b="1" spc="-1" dirty="0" smtClean="0">
+              <a:rPr lang="en-US" sz="4800" b="1" spc="-1" dirty="0">
                 <a:solidFill>
                   <a:srgbClr val="2F5597"/>
                 </a:solidFill>
@@ -8749,12 +10634,6 @@
               </a:rPr>
               <a:t>NÊU VẤN ĐỀ</a:t>
             </a:r>
-            <a:endParaRPr lang="en-US" sz="4800" b="1" spc="-1" dirty="0">
-              <a:solidFill>
-                <a:srgbClr val="2F5597"/>
-              </a:solidFill>
-              <a:latin typeface="Roboto"/>
-            </a:endParaRPr>
           </a:p>
         </p:txBody>
       </p:sp>
@@ -8789,13 +10668,6 @@
   <p:transition>
     <p:fade thruBlk="1"/>
   </p:transition>
-  <p:timing>
-    <p:tnLst>
-      <p:par>
-        <p:cTn id="1" dur="indefinite" restart="never" nodeType="tmRoot"/>
-      </p:par>
-    </p:tnLst>
-  </p:timing>
 </p:sld>
 </file>
 
@@ -8853,8 +10725,8 @@
         </p:nvSpPr>
         <p:spPr>
           <a:xfrm>
-            <a:off x="489441" y="387872"/>
-            <a:ext cx="2517357" cy="638123"/>
+            <a:off x="162622" y="387872"/>
+            <a:ext cx="3170996" cy="628955"/>
           </a:xfrm>
           <a:prstGeom prst="rect">
             <a:avLst/>
@@ -8878,7 +10750,7 @@
                 </a:solidFill>
                 <a:latin typeface="Roboto"/>
               </a:rPr>
-              <a:t>NÊU VẤN ĐỀ</a:t>
+              <a:t>1. NÊU VẤN ĐỀ</a:t>
             </a:r>
           </a:p>
         </p:txBody>
@@ -8926,13 +10798,6 @@
   <p:transition>
     <p:fade thruBlk="1"/>
   </p:transition>
-  <p:timing>
-    <p:tnLst>
-      <p:par>
-        <p:cTn id="1" dur="indefinite" restart="never" nodeType="tmRoot"/>
-      </p:par>
-    </p:tnLst>
-  </p:timing>
 </p:sld>
 </file>
 
@@ -8991,8 +10856,8 @@
         </p:nvSpPr>
         <p:spPr>
           <a:xfrm>
-            <a:off x="489441" y="387872"/>
-            <a:ext cx="2517357" cy="638123"/>
+            <a:off x="162622" y="387872"/>
+            <a:ext cx="3170996" cy="628955"/>
           </a:xfrm>
           <a:prstGeom prst="rect">
             <a:avLst/>
@@ -9016,7 +10881,7 @@
                 </a:solidFill>
                 <a:latin typeface="Roboto"/>
               </a:rPr>
-              <a:t>NÊU VẤN ĐỀ</a:t>
+              <a:t>1. NÊU VẤN ĐỀ</a:t>
             </a:r>
           </a:p>
         </p:txBody>
@@ -9034,13 +10899,6 @@
   <p:transition>
     <p:fade thruBlk="1"/>
   </p:transition>
-  <p:timing>
-    <p:tnLst>
-      <p:par>
-        <p:cTn id="1" dur="indefinite" restart="never" nodeType="tmRoot"/>
-      </p:par>
-    </p:tnLst>
-  </p:timing>
 </p:sld>
 </file>
 
@@ -9069,8 +10927,8 @@
         </p:nvSpPr>
         <p:spPr>
           <a:xfrm>
-            <a:off x="489441" y="387872"/>
-            <a:ext cx="2517357" cy="638123"/>
+            <a:off x="162622" y="387872"/>
+            <a:ext cx="3170996" cy="628955"/>
           </a:xfrm>
           <a:prstGeom prst="rect">
             <a:avLst/>
@@ -9094,7 +10952,7 @@
                 </a:solidFill>
                 <a:latin typeface="Roboto"/>
               </a:rPr>
-              <a:t>NÊU VẤN ĐỀ</a:t>
+              <a:t>1. NÊU VẤN ĐỀ</a:t>
             </a:r>
           </a:p>
         </p:txBody>
@@ -9232,13 +11090,6 @@
   <p:transition>
     <p:fade thruBlk="1"/>
   </p:transition>
-  <p:timing>
-    <p:tnLst>
-      <p:par>
-        <p:cTn id="1" dur="indefinite" restart="never" nodeType="tmRoot"/>
-      </p:par>
-    </p:tnLst>
-  </p:timing>
 </p:sld>
 </file>
 
@@ -9311,13 +11162,6 @@
               </a:rPr>
               <a:t>GIẢI PHÁP ĐỒNG BỘ DỮ LIỆU REAL-TIME GIỮA </a:t>
             </a:r>
-            <a:endParaRPr lang="en-US" sz="3200" b="1" spc="-1" dirty="0" smtClean="0">
-              <a:solidFill>
-                <a:srgbClr val="2F5597"/>
-              </a:solidFill>
-              <a:latin typeface="Roboto"/>
-              <a:ea typeface="Roboto"/>
-            </a:endParaRPr>
           </a:p>
           <a:p>
             <a:pPr algn="ctr">
@@ -9325,16 +11169,6 @@
                 <a:spcPct val="120000"/>
               </a:lnSpc>
             </a:pPr>
-            <a:r>
-              <a:rPr lang="en-US" sz="3200" b="1" spc="-1" dirty="0" smtClean="0">
-                <a:solidFill>
-                  <a:srgbClr val="2F5597"/>
-                </a:solidFill>
-                <a:latin typeface="Roboto"/>
-                <a:ea typeface="Roboto"/>
-              </a:rPr>
-              <a:t>CSDL </a:t>
-            </a:r>
             <a:r>
               <a:rPr lang="en-US" sz="3200" b="1" spc="-1" dirty="0">
                 <a:solidFill>
@@ -9343,7 +11177,7 @@
                 <a:latin typeface="Roboto"/>
                 <a:ea typeface="Roboto"/>
               </a:rPr>
-              <a:t>GỐC VÀ CSDL TÌM KIẾM</a:t>
+              <a:t>CSDL GỐC VÀ CSDL TÌM KIẾM</a:t>
             </a:r>
           </a:p>
         </p:txBody>
@@ -9385,13 +11219,6 @@
   <p:transition>
     <p:fade thruBlk="1"/>
   </p:transition>
-  <p:timing>
-    <p:tnLst>
-      <p:par>
-        <p:cTn id="1" dur="indefinite" restart="never" nodeType="tmRoot"/>
-      </p:par>
-    </p:tnLst>
-  </p:timing>
 </p:sld>
 </file>
 
